--- a/12.pptx
+++ b/12.pptx
@@ -16,10 +16,12 @@
     <p:sldId id="277" r:id="rId10"/>
     <p:sldId id="278" r:id="rId11"/>
     <p:sldId id="279" r:id="rId12"/>
-    <p:sldId id="285" r:id="rId13"/>
-    <p:sldId id="280" r:id="rId14"/>
-    <p:sldId id="284" r:id="rId15"/>
-    <p:sldId id="265" r:id="rId16"/>
+    <p:sldId id="286" r:id="rId13"/>
+    <p:sldId id="285" r:id="rId14"/>
+    <p:sldId id="287" r:id="rId15"/>
+    <p:sldId id="280" r:id="rId16"/>
+    <p:sldId id="284" r:id="rId17"/>
+    <p:sldId id="265" r:id="rId18"/>
   </p:sldIdLst>
   <p:sldSz cx="12192000" cy="6858000"/>
   <p:notesSz cx="6858000" cy="9144000"/>
@@ -296,7 +298,7 @@
             <a:fld id="{87DE6118-2437-4B30-8E3C-4D2BE6020583}" type="datetimeFigureOut">
               <a:rPr lang="en-US" dirty="0"/>
               <a:pPr/>
-              <a:t>8/13/19</a:t>
+              <a:t>8/14/19</a:t>
             </a:fld>
             <a:endParaRPr lang="en-US" dirty="0"/>
           </a:p>
@@ -622,7 +624,7 @@
           <a:p>
             <a:fld id="{87DE6118-2437-4B30-8E3C-4D2BE6020583}" type="datetimeFigureOut">
               <a:rPr lang="en-US" dirty="0"/>
-              <a:t>8/13/19</a:t>
+              <a:t>8/14/19</a:t>
             </a:fld>
             <a:endParaRPr lang="en-US" dirty="0"/>
           </a:p>
@@ -797,7 +799,7 @@
           <a:p>
             <a:fld id="{87DE6118-2437-4B30-8E3C-4D2BE6020583}" type="datetimeFigureOut">
               <a:rPr lang="en-US" dirty="0"/>
-              <a:t>8/13/19</a:t>
+              <a:t>8/14/19</a:t>
             </a:fld>
             <a:endParaRPr lang="en-US" dirty="0"/>
           </a:p>
@@ -962,7 +964,7 @@
           <a:p>
             <a:fld id="{87DE6118-2437-4B30-8E3C-4D2BE6020583}" type="datetimeFigureOut">
               <a:rPr lang="en-US" dirty="0"/>
-              <a:t>8/13/19</a:t>
+              <a:t>8/14/19</a:t>
             </a:fld>
             <a:endParaRPr lang="en-US" dirty="0"/>
           </a:p>
@@ -1235,7 +1237,7 @@
             <a:fld id="{87DE6118-2437-4B30-8E3C-4D2BE6020583}" type="datetimeFigureOut">
               <a:rPr lang="en-US" dirty="0"/>
               <a:pPr/>
-              <a:t>8/13/19</a:t>
+              <a:t>8/14/19</a:t>
             </a:fld>
             <a:endParaRPr lang="en-US" dirty="0"/>
           </a:p>
@@ -1625,7 +1627,7 @@
           <a:p>
             <a:fld id="{87DE6118-2437-4B30-8E3C-4D2BE6020583}" type="datetimeFigureOut">
               <a:rPr lang="en-US" dirty="0"/>
-              <a:t>8/13/19</a:t>
+              <a:t>8/14/19</a:t>
             </a:fld>
             <a:endParaRPr lang="en-US" dirty="0"/>
           </a:p>
@@ -2097,7 +2099,7 @@
           <a:p>
             <a:fld id="{87DE6118-2437-4B30-8E3C-4D2BE6020583}" type="datetimeFigureOut">
               <a:rPr lang="en-US" dirty="0"/>
-              <a:t>8/13/19</a:t>
+              <a:t>8/14/19</a:t>
             </a:fld>
             <a:endParaRPr lang="en-US" dirty="0"/>
           </a:p>
@@ -2210,7 +2212,7 @@
           <a:p>
             <a:fld id="{87DE6118-2437-4B30-8E3C-4D2BE6020583}" type="datetimeFigureOut">
               <a:rPr lang="en-US" dirty="0"/>
-              <a:t>8/13/19</a:t>
+              <a:t>8/14/19</a:t>
             </a:fld>
             <a:endParaRPr lang="en-US" dirty="0"/>
           </a:p>
@@ -2300,7 +2302,7 @@
           <a:p>
             <a:fld id="{87DE6118-2437-4B30-8E3C-4D2BE6020583}" type="datetimeFigureOut">
               <a:rPr lang="en-US" dirty="0"/>
-              <a:t>8/13/19</a:t>
+              <a:t>8/14/19</a:t>
             </a:fld>
             <a:endParaRPr lang="en-US" dirty="0"/>
           </a:p>
@@ -2642,7 +2644,7 @@
             <a:fld id="{87DE6118-2437-4B30-8E3C-4D2BE6020583}" type="datetimeFigureOut">
               <a:rPr lang="en-US" dirty="0"/>
               <a:pPr/>
-              <a:t>8/13/19</a:t>
+              <a:t>8/14/19</a:t>
             </a:fld>
             <a:endParaRPr lang="en-US" dirty="0"/>
           </a:p>
@@ -3027,7 +3029,7 @@
             <a:fld id="{87DE6118-2437-4B30-8E3C-4D2BE6020583}" type="datetimeFigureOut">
               <a:rPr lang="en-US" dirty="0"/>
               <a:pPr/>
-              <a:t>8/13/19</a:t>
+              <a:t>8/14/19</a:t>
             </a:fld>
             <a:endParaRPr lang="en-US" dirty="0"/>
           </a:p>
@@ -3302,7 +3304,7 @@
             <a:fld id="{87DE6118-2437-4B30-8E3C-4D2BE6020583}" type="datetimeFigureOut">
               <a:rPr lang="en-US" dirty="0"/>
               <a:pPr/>
-              <a:t>8/13/19</a:t>
+              <a:t>8/14/19</a:t>
             </a:fld>
             <a:endParaRPr lang="en-US" dirty="0"/>
           </a:p>
@@ -4225,8 +4227,8 @@
         </p:blipFill>
         <p:spPr>
           <a:xfrm>
-            <a:off x="854765" y="110624"/>
-            <a:ext cx="11223001" cy="5589188"/>
+            <a:off x="807280" y="77089"/>
+            <a:ext cx="10972800" cy="5464586"/>
           </a:xfrm>
           <a:prstGeom prst="rect">
             <a:avLst/>
@@ -4312,7 +4314,7 @@
           <p:cNvPr id="2" name="标题 1">
             <a:extLst>
               <a:ext uri="{FF2B5EF4-FFF2-40B4-BE49-F238E27FC236}">
-                <a16:creationId xmlns:a16="http://schemas.microsoft.com/office/drawing/2014/main" id="{C8DE140D-CD43-D146-8A29-4080B60E8C84}"/>
+                <a16:creationId xmlns:a16="http://schemas.microsoft.com/office/drawing/2014/main" id="{E420A557-5229-6C4C-8ED6-0095D24FD29F}"/>
               </a:ext>
             </a:extLst>
           </p:cNvPr>
@@ -4334,10 +4336,10 @@
       </p:sp>
       <p:pic>
         <p:nvPicPr>
-          <p:cNvPr id="7" name="内容占位符 6">
+          <p:cNvPr id="4" name="内容占位符 3">
             <a:extLst>
               <a:ext uri="{FF2B5EF4-FFF2-40B4-BE49-F238E27FC236}">
-                <a16:creationId xmlns:a16="http://schemas.microsoft.com/office/drawing/2014/main" id="{08856FCB-916A-E44F-9933-74C9455C5687}"/>
+                <a16:creationId xmlns:a16="http://schemas.microsoft.com/office/drawing/2014/main" id="{260B2F16-3BDF-A34B-A66D-8A1E6D1DDEB8}"/>
               </a:ext>
             </a:extLst>
           </p:cNvPr>
@@ -4356,17 +4358,20 @@
         </p:blipFill>
         <p:spPr>
           <a:xfrm>
-            <a:off x="1219200" y="226814"/>
-            <a:ext cx="10701033" cy="5555242"/>
-          </a:xfrm>
+            <a:off x="1064878" y="313895"/>
+            <a:ext cx="11127122" cy="5591689"/>
+          </a:xfrm>
+          <a:prstGeom prst="rect">
+            <a:avLst/>
+          </a:prstGeom>
         </p:spPr>
       </p:pic>
       <p:sp>
         <p:nvSpPr>
-          <p:cNvPr id="8" name="文本框 7">
+          <p:cNvPr id="5" name="文本框 4">
             <a:extLst>
               <a:ext uri="{FF2B5EF4-FFF2-40B4-BE49-F238E27FC236}">
-                <a16:creationId xmlns:a16="http://schemas.microsoft.com/office/drawing/2014/main" id="{1E2C6BA4-3C6E-404D-AFE6-A94C8BC985E0}"/>
+                <a16:creationId xmlns:a16="http://schemas.microsoft.com/office/drawing/2014/main" id="{5E608697-32C1-CD4B-A782-9C99F30C2A3A}"/>
               </a:ext>
             </a:extLst>
           </p:cNvPr>
@@ -4375,8 +4380,8 @@
         </p:nvSpPr>
         <p:spPr>
           <a:xfrm>
-            <a:off x="1767840" y="6059424"/>
-            <a:ext cx="9436608" cy="369332"/>
+            <a:off x="1158240" y="6108192"/>
+            <a:ext cx="10582656" cy="369332"/>
           </a:xfrm>
           <a:prstGeom prst="rect">
             <a:avLst/>
@@ -4391,7 +4396,7 @@
           <a:p>
             <a:r>
               <a:rPr kumimoji="1" lang="en-US" altLang="zh-CN" dirty="0"/>
-              <a:t>The age trend of female athletes has increased a little in recent years.</a:t>
+              <a:t>Women athletes participating in the Olympic Games have been showing a rapid growth trend.</a:t>
             </a:r>
             <a:endParaRPr kumimoji="1" lang="zh-CN" altLang="en-US" dirty="0"/>
           </a:p>
@@ -4400,7 +4405,7 @@
     </p:spTree>
     <p:extLst>
       <p:ext uri="{BB962C8B-B14F-4D97-AF65-F5344CB8AC3E}">
-        <p14:creationId xmlns:p14="http://schemas.microsoft.com/office/powerpoint/2010/main" val="4239592136"/>
+        <p14:creationId xmlns:p14="http://schemas.microsoft.com/office/powerpoint/2010/main" val="3253456166"/>
       </p:ext>
     </p:extLst>
   </p:cSld>
@@ -4432,7 +4437,7 @@
           <p:cNvPr id="2" name="标题 1">
             <a:extLst>
               <a:ext uri="{FF2B5EF4-FFF2-40B4-BE49-F238E27FC236}">
-                <a16:creationId xmlns:a16="http://schemas.microsoft.com/office/drawing/2014/main" id="{AF5C5252-534E-BF49-831A-60C1E48FB16D}"/>
+                <a16:creationId xmlns:a16="http://schemas.microsoft.com/office/drawing/2014/main" id="{C8DE140D-CD43-D146-8A29-4080B60E8C84}"/>
               </a:ext>
             </a:extLst>
           </p:cNvPr>
@@ -4448,95 +4453,79 @@
           <a:bodyPr/>
           <a:lstStyle/>
           <a:p>
-            <a:r>
-              <a:rPr kumimoji="1" lang="en-US" altLang="zh-CN" dirty="0"/>
-              <a:t>Modelling activity</a:t>
-            </a:r>
-            <a:endParaRPr kumimoji="1" lang="zh-CN" altLang="en-US" dirty="0"/>
-          </a:p>
-        </p:txBody>
-      </p:sp>
-      <p:sp>
-        <p:nvSpPr>
-          <p:cNvPr id="3" name="内容占位符 2">
+            <a:endParaRPr kumimoji="1" lang="zh-CN" altLang="en-US"/>
+          </a:p>
+        </p:txBody>
+      </p:sp>
+      <p:pic>
+        <p:nvPicPr>
+          <p:cNvPr id="7" name="内容占位符 6">
             <a:extLst>
               <a:ext uri="{FF2B5EF4-FFF2-40B4-BE49-F238E27FC236}">
-                <a16:creationId xmlns:a16="http://schemas.microsoft.com/office/drawing/2014/main" id="{45D63AD1-6DC9-7E42-BA34-D14104AB57CD}"/>
+                <a16:creationId xmlns:a16="http://schemas.microsoft.com/office/drawing/2014/main" id="{08856FCB-916A-E44F-9933-74C9455C5687}"/>
               </a:ext>
             </a:extLst>
           </p:cNvPr>
-          <p:cNvSpPr>
-            <a:spLocks noGrp="1"/>
-          </p:cNvSpPr>
+          <p:cNvPicPr>
+            <a:picLocks noGrp="1" noChangeAspect="1"/>
+          </p:cNvPicPr>
           <p:nvPr>
             <p:ph idx="1"/>
           </p:nvPr>
-        </p:nvSpPr>
-        <p:spPr>
-          <a:xfrm>
-            <a:off x="1219200" y="1361661"/>
-            <a:ext cx="10972800" cy="5237922"/>
-          </a:xfrm>
-        </p:spPr>
-        <p:txBody>
-          <a:bodyPr>
-            <a:normAutofit/>
+        </p:nvPicPr>
+        <p:blipFill>
+          <a:blip r:embed="rId2"/>
+          <a:stretch>
+            <a:fillRect/>
+          </a:stretch>
+        </p:blipFill>
+        <p:spPr>
+          <a:xfrm>
+            <a:off x="1219200" y="226814"/>
+            <a:ext cx="10701033" cy="5555242"/>
+          </a:xfrm>
+        </p:spPr>
+      </p:pic>
+      <p:sp>
+        <p:nvSpPr>
+          <p:cNvPr id="8" name="文本框 7">
+            <a:extLst>
+              <a:ext uri="{FF2B5EF4-FFF2-40B4-BE49-F238E27FC236}">
+                <a16:creationId xmlns:a16="http://schemas.microsoft.com/office/drawing/2014/main" id="{1E2C6BA4-3C6E-404D-AFE6-A94C8BC985E0}"/>
+              </a:ext>
+            </a:extLst>
+          </p:cNvPr>
+          <p:cNvSpPr txBox="1"/>
+          <p:nvPr/>
+        </p:nvSpPr>
+        <p:spPr>
+          <a:xfrm>
+            <a:off x="1767840" y="6059424"/>
+            <a:ext cx="9436608" cy="369332"/>
+          </a:xfrm>
+          <a:prstGeom prst="rect">
+            <a:avLst/>
+          </a:prstGeom>
+          <a:noFill/>
+        </p:spPr>
+        <p:txBody>
+          <a:bodyPr wrap="square" rtlCol="0">
+            <a:spAutoFit/>
           </a:bodyPr>
           <a:lstStyle/>
           <a:p>
             <a:r>
-              <a:rPr lang="en-US" altLang="zh-CN" sz="3200" b="1" dirty="0"/>
-              <a:t>Hypothesis you tested about predictors</a:t>
-            </a:r>
-            <a:endParaRPr kumimoji="1" lang="en-US" altLang="zh-CN" sz="3200" b="1" dirty="0"/>
-          </a:p>
-          <a:p>
-            <a:r>
               <a:rPr kumimoji="1" lang="en-US" altLang="zh-CN" dirty="0"/>
-              <a:t>I use the results before 2012 as variables to predict the known results in 2016, using the 2016 Olympic gold medal table as a prediction hypothesis, and finally predicting 2020 plus 2016 as variables.</a:t>
-            </a:r>
-          </a:p>
-          <a:p>
-            <a:r>
-              <a:rPr kumimoji="1" lang="en-US" altLang="zh-CN" sz="3200" b="1" dirty="0"/>
-              <a:t>Motivation you to use this model</a:t>
-            </a:r>
-          </a:p>
-          <a:p>
-            <a:r>
-              <a:rPr kumimoji="1" lang="en-US" altLang="zh-CN" dirty="0"/>
-              <a:t>The Autoregressive Moving Average (ARMA) method models the next step in the sequence as a linear function of the observations and </a:t>
-            </a:r>
-            <a:r>
-              <a:rPr kumimoji="1" lang="en-US" altLang="zh-CN" dirty="0" err="1"/>
-              <a:t>resiudal</a:t>
-            </a:r>
-            <a:r>
-              <a:rPr kumimoji="1" lang="en-US" altLang="zh-CN" dirty="0"/>
-              <a:t> errors at prior time </a:t>
-            </a:r>
-            <a:r>
-              <a:rPr kumimoji="1" lang="en-US" altLang="zh-CN" dirty="0" err="1"/>
-              <a:t>steps.It</a:t>
-            </a:r>
-            <a:r>
-              <a:rPr kumimoji="1" lang="en-US" altLang="zh-CN" dirty="0"/>
-              <a:t> combines both Autoregression (AR) and Moving Average (MA) models.</a:t>
-            </a:r>
-          </a:p>
-          <a:p>
-            <a:r>
-              <a:rPr lang="en-US" altLang="zh-CN" dirty="0"/>
-              <a:t>The method is suitable for univariate time series without trend and seasonal components.</a:t>
-            </a:r>
-            <a:endParaRPr kumimoji="1" lang="en-US" altLang="zh-CN" dirty="0"/>
+              <a:t>The age trend of female athletes has increased a little in recent years.</a:t>
+            </a:r>
+            <a:endParaRPr kumimoji="1" lang="zh-CN" altLang="en-US" dirty="0"/>
           </a:p>
         </p:txBody>
       </p:sp>
     </p:spTree>
     <p:extLst>
       <p:ext uri="{BB962C8B-B14F-4D97-AF65-F5344CB8AC3E}">
-        <p14:creationId xmlns:p14="http://schemas.microsoft.com/office/powerpoint/2010/main" val="90381409"/>
+        <p14:creationId xmlns:p14="http://schemas.microsoft.com/office/powerpoint/2010/main" val="4239592136"/>
       </p:ext>
     </p:extLst>
   </p:cSld>
@@ -4568,6 +4557,262 @@
           <p:cNvPr id="2" name="标题 1">
             <a:extLst>
               <a:ext uri="{FF2B5EF4-FFF2-40B4-BE49-F238E27FC236}">
+                <a16:creationId xmlns:a16="http://schemas.microsoft.com/office/drawing/2014/main" id="{8CC2FA2D-B4F5-A045-8956-DAA94DC2A8F5}"/>
+              </a:ext>
+            </a:extLst>
+          </p:cNvPr>
+          <p:cNvSpPr>
+            <a:spLocks noGrp="1"/>
+          </p:cNvSpPr>
+          <p:nvPr>
+            <p:ph type="title"/>
+          </p:nvPr>
+        </p:nvSpPr>
+        <p:spPr/>
+        <p:txBody>
+          <a:bodyPr/>
+          <a:lstStyle/>
+          <a:p>
+            <a:endParaRPr kumimoji="1" lang="zh-CN" altLang="en-US"/>
+          </a:p>
+        </p:txBody>
+      </p:sp>
+      <p:pic>
+        <p:nvPicPr>
+          <p:cNvPr id="5" name="内容占位符 4">
+            <a:extLst>
+              <a:ext uri="{FF2B5EF4-FFF2-40B4-BE49-F238E27FC236}">
+                <a16:creationId xmlns:a16="http://schemas.microsoft.com/office/drawing/2014/main" id="{D4D7749E-67EC-3D4F-92E2-536D30D2889B}"/>
+              </a:ext>
+            </a:extLst>
+          </p:cNvPr>
+          <p:cNvPicPr>
+            <a:picLocks noGrp="1" noChangeAspect="1"/>
+          </p:cNvPicPr>
+          <p:nvPr>
+            <p:ph idx="1"/>
+          </p:nvPr>
+        </p:nvPicPr>
+        <p:blipFill>
+          <a:blip r:embed="rId2"/>
+          <a:stretch>
+            <a:fillRect/>
+          </a:stretch>
+        </p:blipFill>
+        <p:spPr>
+          <a:xfrm>
+            <a:off x="1305039" y="548640"/>
+            <a:ext cx="10570158" cy="5338572"/>
+          </a:xfrm>
+        </p:spPr>
+      </p:pic>
+      <p:sp>
+        <p:nvSpPr>
+          <p:cNvPr id="6" name="文本框 5">
+            <a:extLst>
+              <a:ext uri="{FF2B5EF4-FFF2-40B4-BE49-F238E27FC236}">
+                <a16:creationId xmlns:a16="http://schemas.microsoft.com/office/drawing/2014/main" id="{DE8D21C7-5A32-E54A-BF52-FB06DE8899BB}"/>
+              </a:ext>
+            </a:extLst>
+          </p:cNvPr>
+          <p:cNvSpPr txBox="1"/>
+          <p:nvPr/>
+        </p:nvSpPr>
+        <p:spPr>
+          <a:xfrm>
+            <a:off x="1097280" y="6169152"/>
+            <a:ext cx="10777917" cy="369332"/>
+          </a:xfrm>
+          <a:prstGeom prst="rect">
+            <a:avLst/>
+          </a:prstGeom>
+          <a:noFill/>
+        </p:spPr>
+        <p:txBody>
+          <a:bodyPr wrap="square" rtlCol="0">
+            <a:spAutoFit/>
+          </a:bodyPr>
+          <a:lstStyle/>
+          <a:p>
+            <a:r>
+              <a:rPr kumimoji="1" lang="en-US" altLang="zh-CN" dirty="0"/>
+              <a:t>It can be seen from the boxplot that the age of male athletes has not changed much.</a:t>
+            </a:r>
+            <a:endParaRPr kumimoji="1" lang="zh-CN" altLang="en-US" dirty="0"/>
+          </a:p>
+        </p:txBody>
+      </p:sp>
+    </p:spTree>
+    <p:extLst>
+      <p:ext uri="{BB962C8B-B14F-4D97-AF65-F5344CB8AC3E}">
+        <p14:creationId xmlns:p14="http://schemas.microsoft.com/office/powerpoint/2010/main" val="1468021375"/>
+      </p:ext>
+    </p:extLst>
+  </p:cSld>
+  <p:clrMapOvr>
+    <a:masterClrMapping/>
+  </p:clrMapOvr>
+</p:sld>
+</file>
+
+<file path=ppt/slides/slide15.xml><?xml version="1.0" encoding="utf-8"?>
+<p:sld xmlns:a="http://schemas.openxmlformats.org/drawingml/2006/main" xmlns:r="http://schemas.openxmlformats.org/officeDocument/2006/relationships" xmlns:p="http://schemas.openxmlformats.org/presentationml/2006/main">
+  <p:cSld>
+    <p:spTree>
+      <p:nvGrpSpPr>
+        <p:cNvPr id="1" name=""/>
+        <p:cNvGrpSpPr/>
+        <p:nvPr/>
+      </p:nvGrpSpPr>
+      <p:grpSpPr>
+        <a:xfrm>
+          <a:off x="0" y="0"/>
+          <a:ext cx="0" cy="0"/>
+          <a:chOff x="0" y="0"/>
+          <a:chExt cx="0" cy="0"/>
+        </a:xfrm>
+      </p:grpSpPr>
+      <p:sp>
+        <p:nvSpPr>
+          <p:cNvPr id="2" name="标题 1">
+            <a:extLst>
+              <a:ext uri="{FF2B5EF4-FFF2-40B4-BE49-F238E27FC236}">
+                <a16:creationId xmlns:a16="http://schemas.microsoft.com/office/drawing/2014/main" id="{AF5C5252-534E-BF49-831A-60C1E48FB16D}"/>
+              </a:ext>
+            </a:extLst>
+          </p:cNvPr>
+          <p:cNvSpPr>
+            <a:spLocks noGrp="1"/>
+          </p:cNvSpPr>
+          <p:nvPr>
+            <p:ph type="title"/>
+          </p:nvPr>
+        </p:nvSpPr>
+        <p:spPr/>
+        <p:txBody>
+          <a:bodyPr/>
+          <a:lstStyle/>
+          <a:p>
+            <a:r>
+              <a:rPr kumimoji="1" lang="en-US" altLang="zh-CN" dirty="0"/>
+              <a:t>Modelling activity</a:t>
+            </a:r>
+            <a:endParaRPr kumimoji="1" lang="zh-CN" altLang="en-US" dirty="0"/>
+          </a:p>
+        </p:txBody>
+      </p:sp>
+      <p:sp>
+        <p:nvSpPr>
+          <p:cNvPr id="3" name="内容占位符 2">
+            <a:extLst>
+              <a:ext uri="{FF2B5EF4-FFF2-40B4-BE49-F238E27FC236}">
+                <a16:creationId xmlns:a16="http://schemas.microsoft.com/office/drawing/2014/main" id="{45D63AD1-6DC9-7E42-BA34-D14104AB57CD}"/>
+              </a:ext>
+            </a:extLst>
+          </p:cNvPr>
+          <p:cNvSpPr>
+            <a:spLocks noGrp="1"/>
+          </p:cNvSpPr>
+          <p:nvPr>
+            <p:ph idx="1"/>
+          </p:nvPr>
+        </p:nvSpPr>
+        <p:spPr>
+          <a:xfrm>
+            <a:off x="1219200" y="1361661"/>
+            <a:ext cx="10972800" cy="5237922"/>
+          </a:xfrm>
+        </p:spPr>
+        <p:txBody>
+          <a:bodyPr>
+            <a:normAutofit/>
+          </a:bodyPr>
+          <a:lstStyle/>
+          <a:p>
+            <a:r>
+              <a:rPr lang="en-US" altLang="zh-CN" sz="3200" b="1" dirty="0"/>
+              <a:t>Hypothesis you tested about predictors</a:t>
+            </a:r>
+            <a:endParaRPr kumimoji="1" lang="en-US" altLang="zh-CN" sz="3200" b="1" dirty="0"/>
+          </a:p>
+          <a:p>
+            <a:r>
+              <a:rPr kumimoji="1" lang="en-US" altLang="zh-CN" dirty="0"/>
+              <a:t>I use the results before 2012 as variables to predict the known results in 2016, using the 2016 Olympic gold medal table as a prediction hypothesis, and finally predicting 2020 plus 2016 as variables.</a:t>
+            </a:r>
+          </a:p>
+          <a:p>
+            <a:r>
+              <a:rPr kumimoji="1" lang="en-US" altLang="zh-CN" sz="3200" b="1" dirty="0"/>
+              <a:t>Motivation you to use this model</a:t>
+            </a:r>
+          </a:p>
+          <a:p>
+            <a:r>
+              <a:rPr kumimoji="1" lang="en-US" altLang="zh-CN" dirty="0"/>
+              <a:t>The Autoregressive Moving Average (ARMA) method models the next step in the sequence as a linear function of the observations and </a:t>
+            </a:r>
+            <a:r>
+              <a:rPr kumimoji="1" lang="en-US" altLang="zh-CN" dirty="0" err="1"/>
+              <a:t>resiudal</a:t>
+            </a:r>
+            <a:r>
+              <a:rPr kumimoji="1" lang="en-US" altLang="zh-CN" dirty="0"/>
+              <a:t> errors at prior time </a:t>
+            </a:r>
+            <a:r>
+              <a:rPr kumimoji="1" lang="en-US" altLang="zh-CN" dirty="0" err="1"/>
+              <a:t>steps.It</a:t>
+            </a:r>
+            <a:r>
+              <a:rPr kumimoji="1" lang="en-US" altLang="zh-CN" dirty="0"/>
+              <a:t> combines both Autoregression (AR) and Moving Average (MA) models.</a:t>
+            </a:r>
+          </a:p>
+          <a:p>
+            <a:r>
+              <a:rPr lang="en-US" altLang="zh-CN" dirty="0"/>
+              <a:t>The method is suitable for univariate time series without trend and seasonal components.</a:t>
+            </a:r>
+            <a:endParaRPr kumimoji="1" lang="en-US" altLang="zh-CN" dirty="0"/>
+          </a:p>
+        </p:txBody>
+      </p:sp>
+    </p:spTree>
+    <p:extLst>
+      <p:ext uri="{BB962C8B-B14F-4D97-AF65-F5344CB8AC3E}">
+        <p14:creationId xmlns:p14="http://schemas.microsoft.com/office/powerpoint/2010/main" val="90381409"/>
+      </p:ext>
+    </p:extLst>
+  </p:cSld>
+  <p:clrMapOvr>
+    <a:masterClrMapping/>
+  </p:clrMapOvr>
+</p:sld>
+</file>
+
+<file path=ppt/slides/slide16.xml><?xml version="1.0" encoding="utf-8"?>
+<p:sld xmlns:a="http://schemas.openxmlformats.org/drawingml/2006/main" xmlns:r="http://schemas.openxmlformats.org/officeDocument/2006/relationships" xmlns:p="http://schemas.openxmlformats.org/presentationml/2006/main">
+  <p:cSld>
+    <p:spTree>
+      <p:nvGrpSpPr>
+        <p:cNvPr id="1" name=""/>
+        <p:cNvGrpSpPr/>
+        <p:nvPr/>
+      </p:nvGrpSpPr>
+      <p:grpSpPr>
+        <a:xfrm>
+          <a:off x="0" y="0"/>
+          <a:ext cx="0" cy="0"/>
+          <a:chOff x="0" y="0"/>
+          <a:chExt cx="0" cy="0"/>
+        </a:xfrm>
+      </p:grpSpPr>
+      <p:sp>
+        <p:nvSpPr>
+          <p:cNvPr id="2" name="标题 1">
+            <a:extLst>
+              <a:ext uri="{FF2B5EF4-FFF2-40B4-BE49-F238E27FC236}">
                 <a16:creationId xmlns:a16="http://schemas.microsoft.com/office/drawing/2014/main" id="{187C2CF4-6A3E-514D-BEDD-4A15A58A1BA4}"/>
               </a:ext>
             </a:extLst>
@@ -4690,7 +4935,7 @@
 </p:sld>
 </file>
 
-<file path=ppt/slides/slide15.xml><?xml version="1.0" encoding="utf-8"?>
+<file path=ppt/slides/slide17.xml><?xml version="1.0" encoding="utf-8"?>
 <p:sld xmlns:a="http://schemas.openxmlformats.org/drawingml/2006/main" xmlns:r="http://schemas.openxmlformats.org/officeDocument/2006/relationships" xmlns:p="http://schemas.openxmlformats.org/presentationml/2006/main">
   <p:cSld>
     <p:spTree>

--- a/12.pptx
+++ b/12.pptx
@@ -4,6 +4,9 @@
   <p:sldMasterIdLst>
     <p:sldMasterId id="2147483648" r:id="rId1"/>
   </p:sldMasterIdLst>
+  <p:notesMasterIdLst>
+    <p:notesMasterId r:id="rId19"/>
+  </p:notesMasterIdLst>
   <p:sldIdLst>
     <p:sldId id="256" r:id="rId2"/>
     <p:sldId id="257" r:id="rId3"/>
@@ -126,6 +129,1479 @@
     </p:ext>
   </p:extLst>
 </p:presentation>
+</file>
+
+<file path=ppt/notesMasters/notesMaster1.xml><?xml version="1.0" encoding="utf-8"?>
+<p:notesMaster xmlns:a="http://schemas.openxmlformats.org/drawingml/2006/main" xmlns:r="http://schemas.openxmlformats.org/officeDocument/2006/relationships" xmlns:p="http://schemas.openxmlformats.org/presentationml/2006/main">
+  <p:cSld>
+    <p:bg>
+      <p:bgRef idx="1001">
+        <a:schemeClr val="bg1"/>
+      </p:bgRef>
+    </p:bg>
+    <p:spTree>
+      <p:nvGrpSpPr>
+        <p:cNvPr id="1" name=""/>
+        <p:cNvGrpSpPr/>
+        <p:nvPr/>
+      </p:nvGrpSpPr>
+      <p:grpSpPr>
+        <a:xfrm>
+          <a:off x="0" y="0"/>
+          <a:ext cx="0" cy="0"/>
+          <a:chOff x="0" y="0"/>
+          <a:chExt cx="0" cy="0"/>
+        </a:xfrm>
+      </p:grpSpPr>
+      <p:sp>
+        <p:nvSpPr>
+          <p:cNvPr id="2" name="页眉占位符 1"/>
+          <p:cNvSpPr>
+            <a:spLocks noGrp="1"/>
+          </p:cNvSpPr>
+          <p:nvPr>
+            <p:ph type="hdr" sz="quarter"/>
+          </p:nvPr>
+        </p:nvSpPr>
+        <p:spPr>
+          <a:xfrm>
+            <a:off x="0" y="0"/>
+            <a:ext cx="2971800" cy="458788"/>
+          </a:xfrm>
+          <a:prstGeom prst="rect">
+            <a:avLst/>
+          </a:prstGeom>
+        </p:spPr>
+        <p:txBody>
+          <a:bodyPr vert="horz" lIns="91440" tIns="45720" rIns="91440" bIns="45720" rtlCol="0"/>
+          <a:lstStyle>
+            <a:lvl1pPr algn="l">
+              <a:defRPr sz="1200"/>
+            </a:lvl1pPr>
+          </a:lstStyle>
+          <a:p>
+            <a:endParaRPr kumimoji="1" lang="zh-CN" altLang="en-US"/>
+          </a:p>
+        </p:txBody>
+      </p:sp>
+      <p:sp>
+        <p:nvSpPr>
+          <p:cNvPr id="3" name="日期占位符 2"/>
+          <p:cNvSpPr>
+            <a:spLocks noGrp="1"/>
+          </p:cNvSpPr>
+          <p:nvPr>
+            <p:ph type="dt" idx="1"/>
+          </p:nvPr>
+        </p:nvSpPr>
+        <p:spPr>
+          <a:xfrm>
+            <a:off x="3884613" y="0"/>
+            <a:ext cx="2971800" cy="458788"/>
+          </a:xfrm>
+          <a:prstGeom prst="rect">
+            <a:avLst/>
+          </a:prstGeom>
+        </p:spPr>
+        <p:txBody>
+          <a:bodyPr vert="horz" lIns="91440" tIns="45720" rIns="91440" bIns="45720" rtlCol="0"/>
+          <a:lstStyle>
+            <a:lvl1pPr algn="r">
+              <a:defRPr sz="1200"/>
+            </a:lvl1pPr>
+          </a:lstStyle>
+          <a:p>
+            <a:fld id="{8F6D01FF-3893-4C44-AF02-AE91F21C06AE}" type="datetimeFigureOut">
+              <a:rPr kumimoji="1" lang="zh-CN" altLang="en-US" smtClean="0"/>
+              <a:t>2019/8/14</a:t>
+            </a:fld>
+            <a:endParaRPr kumimoji="1" lang="zh-CN" altLang="en-US"/>
+          </a:p>
+        </p:txBody>
+      </p:sp>
+      <p:sp>
+        <p:nvSpPr>
+          <p:cNvPr id="4" name="幻灯片图像占位符 3"/>
+          <p:cNvSpPr>
+            <a:spLocks noGrp="1" noRot="1" noChangeAspect="1"/>
+          </p:cNvSpPr>
+          <p:nvPr>
+            <p:ph type="sldImg" idx="2"/>
+          </p:nvPr>
+        </p:nvSpPr>
+        <p:spPr>
+          <a:xfrm>
+            <a:off x="685800" y="1143000"/>
+            <a:ext cx="5486400" cy="3086100"/>
+          </a:xfrm>
+          <a:prstGeom prst="rect">
+            <a:avLst/>
+          </a:prstGeom>
+          <a:noFill/>
+          <a:ln w="12700">
+            <a:solidFill>
+              <a:prstClr val="black"/>
+            </a:solidFill>
+          </a:ln>
+        </p:spPr>
+        <p:txBody>
+          <a:bodyPr vert="horz" lIns="91440" tIns="45720" rIns="91440" bIns="45720" rtlCol="0" anchor="ctr"/>
+          <a:lstStyle/>
+          <a:p>
+            <a:endParaRPr lang="zh-CN" altLang="en-US"/>
+          </a:p>
+        </p:txBody>
+      </p:sp>
+      <p:sp>
+        <p:nvSpPr>
+          <p:cNvPr id="5" name="备注占位符 4"/>
+          <p:cNvSpPr>
+            <a:spLocks noGrp="1"/>
+          </p:cNvSpPr>
+          <p:nvPr>
+            <p:ph type="body" sz="quarter" idx="3"/>
+          </p:nvPr>
+        </p:nvSpPr>
+        <p:spPr>
+          <a:xfrm>
+            <a:off x="685800" y="4400550"/>
+            <a:ext cx="5486400" cy="3600450"/>
+          </a:xfrm>
+          <a:prstGeom prst="rect">
+            <a:avLst/>
+          </a:prstGeom>
+        </p:spPr>
+        <p:txBody>
+          <a:bodyPr vert="horz" lIns="91440" tIns="45720" rIns="91440" bIns="45720" rtlCol="0"/>
+          <a:lstStyle/>
+          <a:p>
+            <a:pPr lvl="0"/>
+            <a:r>
+              <a:rPr kumimoji="1" lang="zh-CN" altLang="en-US"/>
+              <a:t>单击此处编辑母版文本样式</a:t>
+            </a:r>
+          </a:p>
+          <a:p>
+            <a:pPr lvl="1"/>
+            <a:r>
+              <a:rPr kumimoji="1" lang="zh-CN" altLang="en-US"/>
+              <a:t>二级</a:t>
+            </a:r>
+          </a:p>
+          <a:p>
+            <a:pPr lvl="2"/>
+            <a:r>
+              <a:rPr kumimoji="1" lang="zh-CN" altLang="en-US"/>
+              <a:t>三级</a:t>
+            </a:r>
+          </a:p>
+          <a:p>
+            <a:pPr lvl="3"/>
+            <a:r>
+              <a:rPr kumimoji="1" lang="zh-CN" altLang="en-US"/>
+              <a:t>四级</a:t>
+            </a:r>
+          </a:p>
+          <a:p>
+            <a:pPr lvl="4"/>
+            <a:r>
+              <a:rPr kumimoji="1" lang="zh-CN" altLang="en-US"/>
+              <a:t>五级</a:t>
+            </a:r>
+          </a:p>
+        </p:txBody>
+      </p:sp>
+      <p:sp>
+        <p:nvSpPr>
+          <p:cNvPr id="6" name="页脚占位符 5"/>
+          <p:cNvSpPr>
+            <a:spLocks noGrp="1"/>
+          </p:cNvSpPr>
+          <p:nvPr>
+            <p:ph type="ftr" sz="quarter" idx="4"/>
+          </p:nvPr>
+        </p:nvSpPr>
+        <p:spPr>
+          <a:xfrm>
+            <a:off x="0" y="8685213"/>
+            <a:ext cx="2971800" cy="458787"/>
+          </a:xfrm>
+          <a:prstGeom prst="rect">
+            <a:avLst/>
+          </a:prstGeom>
+        </p:spPr>
+        <p:txBody>
+          <a:bodyPr vert="horz" lIns="91440" tIns="45720" rIns="91440" bIns="45720" rtlCol="0" anchor="b"/>
+          <a:lstStyle>
+            <a:lvl1pPr algn="l">
+              <a:defRPr sz="1200"/>
+            </a:lvl1pPr>
+          </a:lstStyle>
+          <a:p>
+            <a:endParaRPr kumimoji="1" lang="zh-CN" altLang="en-US"/>
+          </a:p>
+        </p:txBody>
+      </p:sp>
+      <p:sp>
+        <p:nvSpPr>
+          <p:cNvPr id="7" name="灯片编号占位符 6"/>
+          <p:cNvSpPr>
+            <a:spLocks noGrp="1"/>
+          </p:cNvSpPr>
+          <p:nvPr>
+            <p:ph type="sldNum" sz="quarter" idx="5"/>
+          </p:nvPr>
+        </p:nvSpPr>
+        <p:spPr>
+          <a:xfrm>
+            <a:off x="3884613" y="8685213"/>
+            <a:ext cx="2971800" cy="458787"/>
+          </a:xfrm>
+          <a:prstGeom prst="rect">
+            <a:avLst/>
+          </a:prstGeom>
+        </p:spPr>
+        <p:txBody>
+          <a:bodyPr vert="horz" lIns="91440" tIns="45720" rIns="91440" bIns="45720" rtlCol="0" anchor="b"/>
+          <a:lstStyle>
+            <a:lvl1pPr algn="r">
+              <a:defRPr sz="1200"/>
+            </a:lvl1pPr>
+          </a:lstStyle>
+          <a:p>
+            <a:fld id="{7106FB97-120A-1B4E-9783-DE5633661FFF}" type="slidenum">
+              <a:rPr kumimoji="1" lang="zh-CN" altLang="en-US" smtClean="0"/>
+              <a:t>‹#›</a:t>
+            </a:fld>
+            <a:endParaRPr kumimoji="1" lang="zh-CN" altLang="en-US"/>
+          </a:p>
+        </p:txBody>
+      </p:sp>
+    </p:spTree>
+    <p:extLst>
+      <p:ext uri="{BB962C8B-B14F-4D97-AF65-F5344CB8AC3E}">
+        <p14:creationId xmlns:p14="http://schemas.microsoft.com/office/powerpoint/2010/main" val="1747059551"/>
+      </p:ext>
+    </p:extLst>
+  </p:cSld>
+  <p:clrMap bg1="lt1" tx1="dk1" bg2="lt2" tx2="dk2" accent1="accent1" accent2="accent2" accent3="accent3" accent4="accent4" accent5="accent5" accent6="accent6" hlink="hlink" folHlink="folHlink"/>
+  <p:notesStyle>
+    <a:lvl1pPr marL="0" algn="l" defTabSz="914400" rtl="0" eaLnBrk="1" latinLnBrk="0" hangingPunct="1">
+      <a:defRPr sz="1200" kern="1200">
+        <a:solidFill>
+          <a:schemeClr val="tx1"/>
+        </a:solidFill>
+        <a:latin typeface="+mn-lt"/>
+        <a:ea typeface="+mn-ea"/>
+        <a:cs typeface="+mn-cs"/>
+      </a:defRPr>
+    </a:lvl1pPr>
+    <a:lvl2pPr marL="457200" algn="l" defTabSz="914400" rtl="0" eaLnBrk="1" latinLnBrk="0" hangingPunct="1">
+      <a:defRPr sz="1200" kern="1200">
+        <a:solidFill>
+          <a:schemeClr val="tx1"/>
+        </a:solidFill>
+        <a:latin typeface="+mn-lt"/>
+        <a:ea typeface="+mn-ea"/>
+        <a:cs typeface="+mn-cs"/>
+      </a:defRPr>
+    </a:lvl2pPr>
+    <a:lvl3pPr marL="914400" algn="l" defTabSz="914400" rtl="0" eaLnBrk="1" latinLnBrk="0" hangingPunct="1">
+      <a:defRPr sz="1200" kern="1200">
+        <a:solidFill>
+          <a:schemeClr val="tx1"/>
+        </a:solidFill>
+        <a:latin typeface="+mn-lt"/>
+        <a:ea typeface="+mn-ea"/>
+        <a:cs typeface="+mn-cs"/>
+      </a:defRPr>
+    </a:lvl3pPr>
+    <a:lvl4pPr marL="1371600" algn="l" defTabSz="914400" rtl="0" eaLnBrk="1" latinLnBrk="0" hangingPunct="1">
+      <a:defRPr sz="1200" kern="1200">
+        <a:solidFill>
+          <a:schemeClr val="tx1"/>
+        </a:solidFill>
+        <a:latin typeface="+mn-lt"/>
+        <a:ea typeface="+mn-ea"/>
+        <a:cs typeface="+mn-cs"/>
+      </a:defRPr>
+    </a:lvl4pPr>
+    <a:lvl5pPr marL="1828800" algn="l" defTabSz="914400" rtl="0" eaLnBrk="1" latinLnBrk="0" hangingPunct="1">
+      <a:defRPr sz="1200" kern="1200">
+        <a:solidFill>
+          <a:schemeClr val="tx1"/>
+        </a:solidFill>
+        <a:latin typeface="+mn-lt"/>
+        <a:ea typeface="+mn-ea"/>
+        <a:cs typeface="+mn-cs"/>
+      </a:defRPr>
+    </a:lvl5pPr>
+    <a:lvl6pPr marL="2286000" algn="l" defTabSz="914400" rtl="0" eaLnBrk="1" latinLnBrk="0" hangingPunct="1">
+      <a:defRPr sz="1200" kern="1200">
+        <a:solidFill>
+          <a:schemeClr val="tx1"/>
+        </a:solidFill>
+        <a:latin typeface="+mn-lt"/>
+        <a:ea typeface="+mn-ea"/>
+        <a:cs typeface="+mn-cs"/>
+      </a:defRPr>
+    </a:lvl6pPr>
+    <a:lvl7pPr marL="2743200" algn="l" defTabSz="914400" rtl="0" eaLnBrk="1" latinLnBrk="0" hangingPunct="1">
+      <a:defRPr sz="1200" kern="1200">
+        <a:solidFill>
+          <a:schemeClr val="tx1"/>
+        </a:solidFill>
+        <a:latin typeface="+mn-lt"/>
+        <a:ea typeface="+mn-ea"/>
+        <a:cs typeface="+mn-cs"/>
+      </a:defRPr>
+    </a:lvl7pPr>
+    <a:lvl8pPr marL="3200400" algn="l" defTabSz="914400" rtl="0" eaLnBrk="1" latinLnBrk="0" hangingPunct="1">
+      <a:defRPr sz="1200" kern="1200">
+        <a:solidFill>
+          <a:schemeClr val="tx1"/>
+        </a:solidFill>
+        <a:latin typeface="+mn-lt"/>
+        <a:ea typeface="+mn-ea"/>
+        <a:cs typeface="+mn-cs"/>
+      </a:defRPr>
+    </a:lvl8pPr>
+    <a:lvl9pPr marL="3657600" algn="l" defTabSz="914400" rtl="0" eaLnBrk="1" latinLnBrk="0" hangingPunct="1">
+      <a:defRPr sz="1200" kern="1200">
+        <a:solidFill>
+          <a:schemeClr val="tx1"/>
+        </a:solidFill>
+        <a:latin typeface="+mn-lt"/>
+        <a:ea typeface="+mn-ea"/>
+        <a:cs typeface="+mn-cs"/>
+      </a:defRPr>
+    </a:lvl9pPr>
+  </p:notesStyle>
+</p:notesMaster>
+</file>
+
+<file path=ppt/notesSlides/notesSlide1.xml><?xml version="1.0" encoding="utf-8"?>
+<p:notes xmlns:a="http://schemas.openxmlformats.org/drawingml/2006/main" xmlns:r="http://schemas.openxmlformats.org/officeDocument/2006/relationships" xmlns:p="http://schemas.openxmlformats.org/presentationml/2006/main">
+  <p:cSld>
+    <p:spTree>
+      <p:nvGrpSpPr>
+        <p:cNvPr id="1" name=""/>
+        <p:cNvGrpSpPr/>
+        <p:nvPr/>
+      </p:nvGrpSpPr>
+      <p:grpSpPr>
+        <a:xfrm>
+          <a:off x="0" y="0"/>
+          <a:ext cx="0" cy="0"/>
+          <a:chOff x="0" y="0"/>
+          <a:chExt cx="0" cy="0"/>
+        </a:xfrm>
+      </p:grpSpPr>
+      <p:sp>
+        <p:nvSpPr>
+          <p:cNvPr id="2" name="幻灯片图像占位符 1"/>
+          <p:cNvSpPr>
+            <a:spLocks noGrp="1" noRot="1" noChangeAspect="1"/>
+          </p:cNvSpPr>
+          <p:nvPr>
+            <p:ph type="sldImg"/>
+          </p:nvPr>
+        </p:nvSpPr>
+        <p:spPr/>
+      </p:sp>
+      <p:sp>
+        <p:nvSpPr>
+          <p:cNvPr id="3" name="备注占位符 2"/>
+          <p:cNvSpPr>
+            <a:spLocks noGrp="1"/>
+          </p:cNvSpPr>
+          <p:nvPr>
+            <p:ph type="body" idx="1"/>
+          </p:nvPr>
+        </p:nvSpPr>
+        <p:spPr/>
+        <p:txBody>
+          <a:bodyPr/>
+          <a:lstStyle/>
+          <a:p>
+            <a:r>
+              <a:rPr lang="en-US" altLang="zh-CN" sz="1200" kern="1200" dirty="0">
+                <a:solidFill>
+                  <a:schemeClr val="tx1"/>
+                </a:solidFill>
+                <a:effectLst/>
+                <a:latin typeface="+mn-lt"/>
+                <a:ea typeface="+mn-ea"/>
+                <a:cs typeface="+mn-cs"/>
+              </a:rPr>
+              <a:t>My project is about prediction of gold medals of all countries in the Tokyo Olympic Games in 2020. The Olympic Games are held every four years. The Winter Olympic Games are held two years apart from the Summer Olympic Games.</a:t>
+            </a:r>
+            <a:r>
+              <a:rPr lang="zh-CN" altLang="zh-CN" dirty="0">
+                <a:effectLst/>
+              </a:rPr>
+              <a:t> </a:t>
+            </a:r>
+            <a:endParaRPr kumimoji="1" lang="zh-CN" altLang="en-US" dirty="0"/>
+          </a:p>
+        </p:txBody>
+      </p:sp>
+      <p:sp>
+        <p:nvSpPr>
+          <p:cNvPr id="4" name="灯片编号占位符 3"/>
+          <p:cNvSpPr>
+            <a:spLocks noGrp="1"/>
+          </p:cNvSpPr>
+          <p:nvPr>
+            <p:ph type="sldNum" sz="quarter" idx="5"/>
+          </p:nvPr>
+        </p:nvSpPr>
+        <p:spPr/>
+        <p:txBody>
+          <a:bodyPr/>
+          <a:lstStyle/>
+          <a:p>
+            <a:fld id="{7106FB97-120A-1B4E-9783-DE5633661FFF}" type="slidenum">
+              <a:rPr kumimoji="1" lang="zh-CN" altLang="en-US" smtClean="0"/>
+              <a:t>1</a:t>
+            </a:fld>
+            <a:endParaRPr kumimoji="1" lang="zh-CN" altLang="en-US"/>
+          </a:p>
+        </p:txBody>
+      </p:sp>
+    </p:spTree>
+    <p:extLst>
+      <p:ext uri="{BB962C8B-B14F-4D97-AF65-F5344CB8AC3E}">
+        <p14:creationId xmlns:p14="http://schemas.microsoft.com/office/powerpoint/2010/main" val="4214425174"/>
+      </p:ext>
+    </p:extLst>
+  </p:cSld>
+  <p:clrMapOvr>
+    <a:masterClrMapping/>
+  </p:clrMapOvr>
+</p:notes>
+</file>
+
+<file path=ppt/notesSlides/notesSlide2.xml><?xml version="1.0" encoding="utf-8"?>
+<p:notes xmlns:a="http://schemas.openxmlformats.org/drawingml/2006/main" xmlns:r="http://schemas.openxmlformats.org/officeDocument/2006/relationships" xmlns:p="http://schemas.openxmlformats.org/presentationml/2006/main">
+  <p:cSld>
+    <p:spTree>
+      <p:nvGrpSpPr>
+        <p:cNvPr id="1" name=""/>
+        <p:cNvGrpSpPr/>
+        <p:nvPr/>
+      </p:nvGrpSpPr>
+      <p:grpSpPr>
+        <a:xfrm>
+          <a:off x="0" y="0"/>
+          <a:ext cx="0" cy="0"/>
+          <a:chOff x="0" y="0"/>
+          <a:chExt cx="0" cy="0"/>
+        </a:xfrm>
+      </p:grpSpPr>
+      <p:sp>
+        <p:nvSpPr>
+          <p:cNvPr id="2" name="幻灯片图像占位符 1"/>
+          <p:cNvSpPr>
+            <a:spLocks noGrp="1" noRot="1" noChangeAspect="1"/>
+          </p:cNvSpPr>
+          <p:nvPr>
+            <p:ph type="sldImg"/>
+          </p:nvPr>
+        </p:nvSpPr>
+        <p:spPr/>
+      </p:sp>
+      <p:sp>
+        <p:nvSpPr>
+          <p:cNvPr id="3" name="备注占位符 2"/>
+          <p:cNvSpPr>
+            <a:spLocks noGrp="1"/>
+          </p:cNvSpPr>
+          <p:nvPr>
+            <p:ph type="body" idx="1"/>
+          </p:nvPr>
+        </p:nvSpPr>
+        <p:spPr/>
+        <p:txBody>
+          <a:bodyPr/>
+          <a:lstStyle/>
+          <a:p>
+            <a:endParaRPr lang="zh-CN" altLang="zh-CN" sz="1200" b="1" kern="1200" dirty="0">
+              <a:solidFill>
+                <a:schemeClr val="tx1"/>
+              </a:solidFill>
+              <a:effectLst/>
+              <a:latin typeface="+mn-lt"/>
+              <a:ea typeface="+mn-ea"/>
+              <a:cs typeface="+mn-cs"/>
+            </a:endParaRPr>
+          </a:p>
+          <a:p>
+            <a:endParaRPr kumimoji="1" lang="zh-CN" altLang="en-US" dirty="0"/>
+          </a:p>
+        </p:txBody>
+      </p:sp>
+      <p:sp>
+        <p:nvSpPr>
+          <p:cNvPr id="4" name="灯片编号占位符 3"/>
+          <p:cNvSpPr>
+            <a:spLocks noGrp="1"/>
+          </p:cNvSpPr>
+          <p:nvPr>
+            <p:ph type="sldNum" sz="quarter" idx="5"/>
+          </p:nvPr>
+        </p:nvSpPr>
+        <p:spPr/>
+        <p:txBody>
+          <a:bodyPr/>
+          <a:lstStyle/>
+          <a:p>
+            <a:fld id="{7106FB97-120A-1B4E-9783-DE5633661FFF}" type="slidenum">
+              <a:rPr kumimoji="1" lang="zh-CN" altLang="en-US" smtClean="0"/>
+              <a:t>2</a:t>
+            </a:fld>
+            <a:endParaRPr kumimoji="1" lang="zh-CN" altLang="en-US"/>
+          </a:p>
+        </p:txBody>
+      </p:sp>
+    </p:spTree>
+    <p:extLst>
+      <p:ext uri="{BB962C8B-B14F-4D97-AF65-F5344CB8AC3E}">
+        <p14:creationId xmlns:p14="http://schemas.microsoft.com/office/powerpoint/2010/main" val="2161975128"/>
+      </p:ext>
+    </p:extLst>
+  </p:cSld>
+  <p:clrMapOvr>
+    <a:masterClrMapping/>
+  </p:clrMapOvr>
+</p:notes>
+</file>
+
+<file path=ppt/notesSlides/notesSlide3.xml><?xml version="1.0" encoding="utf-8"?>
+<p:notes xmlns:a="http://schemas.openxmlformats.org/drawingml/2006/main" xmlns:r="http://schemas.openxmlformats.org/officeDocument/2006/relationships" xmlns:p="http://schemas.openxmlformats.org/presentationml/2006/main">
+  <p:cSld>
+    <p:spTree>
+      <p:nvGrpSpPr>
+        <p:cNvPr id="1" name=""/>
+        <p:cNvGrpSpPr/>
+        <p:nvPr/>
+      </p:nvGrpSpPr>
+      <p:grpSpPr>
+        <a:xfrm>
+          <a:off x="0" y="0"/>
+          <a:ext cx="0" cy="0"/>
+          <a:chOff x="0" y="0"/>
+          <a:chExt cx="0" cy="0"/>
+        </a:xfrm>
+      </p:grpSpPr>
+      <p:sp>
+        <p:nvSpPr>
+          <p:cNvPr id="2" name="幻灯片图像占位符 1"/>
+          <p:cNvSpPr>
+            <a:spLocks noGrp="1" noRot="1" noChangeAspect="1"/>
+          </p:cNvSpPr>
+          <p:nvPr>
+            <p:ph type="sldImg"/>
+          </p:nvPr>
+        </p:nvSpPr>
+        <p:spPr/>
+      </p:sp>
+      <p:sp>
+        <p:nvSpPr>
+          <p:cNvPr id="3" name="备注占位符 2"/>
+          <p:cNvSpPr>
+            <a:spLocks noGrp="1"/>
+          </p:cNvSpPr>
+          <p:nvPr>
+            <p:ph type="body" idx="1"/>
+          </p:nvPr>
+        </p:nvSpPr>
+        <p:spPr/>
+        <p:txBody>
+          <a:bodyPr/>
+          <a:lstStyle/>
+          <a:p>
+            <a:r>
+              <a:rPr lang="en-US" altLang="zh-CN" sz="1200" b="0" kern="1200" dirty="0">
+                <a:solidFill>
+                  <a:schemeClr val="tx1"/>
+                </a:solidFill>
+                <a:effectLst/>
+                <a:latin typeface="+mn-lt"/>
+                <a:ea typeface="+mn-ea"/>
+                <a:cs typeface="+mn-cs"/>
+              </a:rPr>
+              <a:t>I have researched the changes of the age of men and women and the number of participants in the Olympic Games, which may have more influence factors on the future Olympic Games. Using time series to predict the number of gold medals in the Tokyo Olympic Games in 2020 is conducive to promoting the development of national sports. </a:t>
+            </a:r>
+            <a:endParaRPr lang="zh-CN" altLang="zh-CN" sz="1200" b="1" kern="1200" dirty="0">
+              <a:solidFill>
+                <a:schemeClr val="tx1"/>
+              </a:solidFill>
+              <a:effectLst/>
+              <a:latin typeface="+mn-lt"/>
+              <a:ea typeface="+mn-ea"/>
+              <a:cs typeface="+mn-cs"/>
+            </a:endParaRPr>
+          </a:p>
+          <a:p>
+            <a:r>
+              <a:rPr lang="en-US" altLang="zh-CN" sz="1200" b="0" kern="1200" dirty="0">
+                <a:solidFill>
+                  <a:schemeClr val="tx1"/>
+                </a:solidFill>
+                <a:effectLst/>
+                <a:latin typeface="+mn-lt"/>
+                <a:ea typeface="+mn-ea"/>
+                <a:cs typeface="+mn-cs"/>
+              </a:rPr>
+              <a:t>I use time series model to forecast and compare the results of 2016 Olympic Games</a:t>
+            </a:r>
+            <a:endParaRPr lang="zh-CN" altLang="zh-CN" sz="1200" b="1" kern="1200" dirty="0">
+              <a:solidFill>
+                <a:schemeClr val="tx1"/>
+              </a:solidFill>
+              <a:effectLst/>
+              <a:latin typeface="+mn-lt"/>
+              <a:ea typeface="+mn-ea"/>
+              <a:cs typeface="+mn-cs"/>
+            </a:endParaRPr>
+          </a:p>
+          <a:p>
+            <a:endParaRPr kumimoji="1" lang="zh-CN" altLang="en-US" dirty="0"/>
+          </a:p>
+        </p:txBody>
+      </p:sp>
+      <p:sp>
+        <p:nvSpPr>
+          <p:cNvPr id="4" name="灯片编号占位符 3"/>
+          <p:cNvSpPr>
+            <a:spLocks noGrp="1"/>
+          </p:cNvSpPr>
+          <p:nvPr>
+            <p:ph type="sldNum" sz="quarter" idx="5"/>
+          </p:nvPr>
+        </p:nvSpPr>
+        <p:spPr/>
+        <p:txBody>
+          <a:bodyPr/>
+          <a:lstStyle/>
+          <a:p>
+            <a:fld id="{7106FB97-120A-1B4E-9783-DE5633661FFF}" type="slidenum">
+              <a:rPr kumimoji="1" lang="zh-CN" altLang="en-US" smtClean="0"/>
+              <a:t>3</a:t>
+            </a:fld>
+            <a:endParaRPr kumimoji="1" lang="zh-CN" altLang="en-US"/>
+          </a:p>
+        </p:txBody>
+      </p:sp>
+    </p:spTree>
+    <p:extLst>
+      <p:ext uri="{BB962C8B-B14F-4D97-AF65-F5344CB8AC3E}">
+        <p14:creationId xmlns:p14="http://schemas.microsoft.com/office/powerpoint/2010/main" val="1895798992"/>
+      </p:ext>
+    </p:extLst>
+  </p:cSld>
+  <p:clrMapOvr>
+    <a:masterClrMapping/>
+  </p:clrMapOvr>
+</p:notes>
+</file>
+
+<file path=ppt/notesSlides/notesSlide4.xml><?xml version="1.0" encoding="utf-8"?>
+<p:notes xmlns:a="http://schemas.openxmlformats.org/drawingml/2006/main" xmlns:r="http://schemas.openxmlformats.org/officeDocument/2006/relationships" xmlns:p="http://schemas.openxmlformats.org/presentationml/2006/main">
+  <p:cSld>
+    <p:spTree>
+      <p:nvGrpSpPr>
+        <p:cNvPr id="1" name=""/>
+        <p:cNvGrpSpPr/>
+        <p:nvPr/>
+      </p:nvGrpSpPr>
+      <p:grpSpPr>
+        <a:xfrm>
+          <a:off x="0" y="0"/>
+          <a:ext cx="0" cy="0"/>
+          <a:chOff x="0" y="0"/>
+          <a:chExt cx="0" cy="0"/>
+        </a:xfrm>
+      </p:grpSpPr>
+      <p:sp>
+        <p:nvSpPr>
+          <p:cNvPr id="2" name="幻灯片图像占位符 1"/>
+          <p:cNvSpPr>
+            <a:spLocks noGrp="1" noRot="1" noChangeAspect="1"/>
+          </p:cNvSpPr>
+          <p:nvPr>
+            <p:ph type="sldImg"/>
+          </p:nvPr>
+        </p:nvSpPr>
+        <p:spPr/>
+      </p:sp>
+      <p:sp>
+        <p:nvSpPr>
+          <p:cNvPr id="3" name="备注占位符 2"/>
+          <p:cNvSpPr>
+            <a:spLocks noGrp="1"/>
+          </p:cNvSpPr>
+          <p:nvPr>
+            <p:ph type="body" idx="1"/>
+          </p:nvPr>
+        </p:nvSpPr>
+        <p:spPr/>
+        <p:txBody>
+          <a:bodyPr/>
+          <a:lstStyle/>
+          <a:p>
+            <a:r>
+              <a:rPr lang="en-US" altLang="zh-CN" sz="1200" b="0" kern="1200" dirty="0">
+                <a:solidFill>
+                  <a:schemeClr val="tx1"/>
+                </a:solidFill>
+                <a:effectLst/>
+                <a:latin typeface="+mn-lt"/>
+                <a:ea typeface="+mn-ea"/>
+                <a:cs typeface="+mn-cs"/>
+              </a:rPr>
+              <a:t>The columns are the following:</a:t>
+            </a:r>
+            <a:endParaRPr lang="zh-CN" altLang="zh-CN" sz="1200" b="1" kern="1200" dirty="0">
+              <a:solidFill>
+                <a:schemeClr val="tx1"/>
+              </a:solidFill>
+              <a:effectLst/>
+              <a:latin typeface="+mn-lt"/>
+              <a:ea typeface="+mn-ea"/>
+              <a:cs typeface="+mn-cs"/>
+            </a:endParaRPr>
+          </a:p>
+          <a:p>
+            <a:r>
+              <a:rPr lang="en-US" altLang="zh-CN" sz="1200" b="0" kern="1200" dirty="0">
+                <a:solidFill>
+                  <a:schemeClr val="tx1"/>
+                </a:solidFill>
+                <a:effectLst/>
+                <a:latin typeface="+mn-lt"/>
+                <a:ea typeface="+mn-ea"/>
+                <a:cs typeface="+mn-cs"/>
+              </a:rPr>
+              <a:t>ID - Unique number for each athlete;</a:t>
+            </a:r>
+            <a:endParaRPr lang="zh-CN" altLang="zh-CN" sz="1200" b="1" kern="1200" dirty="0">
+              <a:solidFill>
+                <a:schemeClr val="tx1"/>
+              </a:solidFill>
+              <a:effectLst/>
+              <a:latin typeface="+mn-lt"/>
+              <a:ea typeface="+mn-ea"/>
+              <a:cs typeface="+mn-cs"/>
+            </a:endParaRPr>
+          </a:p>
+          <a:p>
+            <a:r>
+              <a:rPr lang="en-US" altLang="zh-CN" sz="1200" b="0" kern="1200" dirty="0">
+                <a:solidFill>
+                  <a:schemeClr val="tx1"/>
+                </a:solidFill>
+                <a:effectLst/>
+                <a:latin typeface="+mn-lt"/>
+                <a:ea typeface="+mn-ea"/>
+                <a:cs typeface="+mn-cs"/>
+              </a:rPr>
+              <a:t>Name - Athlete's name;</a:t>
+            </a:r>
+            <a:endParaRPr lang="zh-CN" altLang="zh-CN" sz="1200" b="1" kern="1200" dirty="0">
+              <a:solidFill>
+                <a:schemeClr val="tx1"/>
+              </a:solidFill>
+              <a:effectLst/>
+              <a:latin typeface="+mn-lt"/>
+              <a:ea typeface="+mn-ea"/>
+              <a:cs typeface="+mn-cs"/>
+            </a:endParaRPr>
+          </a:p>
+          <a:p>
+            <a:r>
+              <a:rPr lang="en-US" altLang="zh-CN" sz="1200" b="0" kern="1200" dirty="0">
+                <a:solidFill>
+                  <a:schemeClr val="tx1"/>
+                </a:solidFill>
+                <a:effectLst/>
+                <a:latin typeface="+mn-lt"/>
+                <a:ea typeface="+mn-ea"/>
+                <a:cs typeface="+mn-cs"/>
+              </a:rPr>
+              <a:t>Sex - M or F;</a:t>
+            </a:r>
+            <a:endParaRPr lang="zh-CN" altLang="zh-CN" sz="1200" b="1" kern="1200" dirty="0">
+              <a:solidFill>
+                <a:schemeClr val="tx1"/>
+              </a:solidFill>
+              <a:effectLst/>
+              <a:latin typeface="+mn-lt"/>
+              <a:ea typeface="+mn-ea"/>
+              <a:cs typeface="+mn-cs"/>
+            </a:endParaRPr>
+          </a:p>
+          <a:p>
+            <a:r>
+              <a:rPr lang="en-US" altLang="zh-CN" sz="1200" b="0" kern="1200" dirty="0">
+                <a:solidFill>
+                  <a:schemeClr val="tx1"/>
+                </a:solidFill>
+                <a:effectLst/>
+                <a:latin typeface="+mn-lt"/>
+                <a:ea typeface="+mn-ea"/>
+                <a:cs typeface="+mn-cs"/>
+              </a:rPr>
+              <a:t>Age - Integer;</a:t>
+            </a:r>
+            <a:endParaRPr lang="zh-CN" altLang="zh-CN" sz="1200" b="1" kern="1200" dirty="0">
+              <a:solidFill>
+                <a:schemeClr val="tx1"/>
+              </a:solidFill>
+              <a:effectLst/>
+              <a:latin typeface="+mn-lt"/>
+              <a:ea typeface="+mn-ea"/>
+              <a:cs typeface="+mn-cs"/>
+            </a:endParaRPr>
+          </a:p>
+          <a:p>
+            <a:r>
+              <a:rPr lang="en-US" altLang="zh-CN" sz="1200" b="0" kern="1200" dirty="0">
+                <a:solidFill>
+                  <a:schemeClr val="tx1"/>
+                </a:solidFill>
+                <a:effectLst/>
+                <a:latin typeface="+mn-lt"/>
+                <a:ea typeface="+mn-ea"/>
+                <a:cs typeface="+mn-cs"/>
+              </a:rPr>
+              <a:t>Height - In centimeters;</a:t>
+            </a:r>
+            <a:endParaRPr lang="zh-CN" altLang="zh-CN" sz="1200" b="1" kern="1200" dirty="0">
+              <a:solidFill>
+                <a:schemeClr val="tx1"/>
+              </a:solidFill>
+              <a:effectLst/>
+              <a:latin typeface="+mn-lt"/>
+              <a:ea typeface="+mn-ea"/>
+              <a:cs typeface="+mn-cs"/>
+            </a:endParaRPr>
+          </a:p>
+          <a:p>
+            <a:r>
+              <a:rPr lang="en-US" altLang="zh-CN" sz="1200" b="0" kern="1200" dirty="0">
+                <a:solidFill>
+                  <a:schemeClr val="tx1"/>
+                </a:solidFill>
+                <a:effectLst/>
+                <a:latin typeface="+mn-lt"/>
+                <a:ea typeface="+mn-ea"/>
+                <a:cs typeface="+mn-cs"/>
+              </a:rPr>
+              <a:t>Weight - In kilograms;</a:t>
+            </a:r>
+            <a:endParaRPr lang="zh-CN" altLang="zh-CN" sz="1200" b="1" kern="1200" dirty="0">
+              <a:solidFill>
+                <a:schemeClr val="tx1"/>
+              </a:solidFill>
+              <a:effectLst/>
+              <a:latin typeface="+mn-lt"/>
+              <a:ea typeface="+mn-ea"/>
+              <a:cs typeface="+mn-cs"/>
+            </a:endParaRPr>
+          </a:p>
+          <a:p>
+            <a:r>
+              <a:rPr lang="en-US" altLang="zh-CN" sz="1200" b="0" kern="1200" dirty="0">
+                <a:solidFill>
+                  <a:schemeClr val="tx1"/>
+                </a:solidFill>
+                <a:effectLst/>
+                <a:latin typeface="+mn-lt"/>
+                <a:ea typeface="+mn-ea"/>
+                <a:cs typeface="+mn-cs"/>
+              </a:rPr>
+              <a:t>Team - Team name;</a:t>
+            </a:r>
+            <a:endParaRPr lang="zh-CN" altLang="zh-CN" sz="1200" b="1" kern="1200" dirty="0">
+              <a:solidFill>
+                <a:schemeClr val="tx1"/>
+              </a:solidFill>
+              <a:effectLst/>
+              <a:latin typeface="+mn-lt"/>
+              <a:ea typeface="+mn-ea"/>
+              <a:cs typeface="+mn-cs"/>
+            </a:endParaRPr>
+          </a:p>
+          <a:p>
+            <a:r>
+              <a:rPr lang="en-US" altLang="zh-CN" sz="1200" b="0" kern="1200" dirty="0">
+                <a:solidFill>
+                  <a:schemeClr val="tx1"/>
+                </a:solidFill>
+                <a:effectLst/>
+                <a:latin typeface="+mn-lt"/>
+                <a:ea typeface="+mn-ea"/>
+                <a:cs typeface="+mn-cs"/>
+              </a:rPr>
+              <a:t>NOC - National Olympic Committee 3-letter code;</a:t>
+            </a:r>
+            <a:endParaRPr lang="zh-CN" altLang="zh-CN" sz="1200" b="1" kern="1200" dirty="0">
+              <a:solidFill>
+                <a:schemeClr val="tx1"/>
+              </a:solidFill>
+              <a:effectLst/>
+              <a:latin typeface="+mn-lt"/>
+              <a:ea typeface="+mn-ea"/>
+              <a:cs typeface="+mn-cs"/>
+            </a:endParaRPr>
+          </a:p>
+          <a:p>
+            <a:r>
+              <a:rPr lang="en-US" altLang="zh-CN" sz="1200" b="0" kern="1200" dirty="0">
+                <a:solidFill>
+                  <a:schemeClr val="tx1"/>
+                </a:solidFill>
+                <a:effectLst/>
+                <a:latin typeface="+mn-lt"/>
+                <a:ea typeface="+mn-ea"/>
+                <a:cs typeface="+mn-cs"/>
+              </a:rPr>
+              <a:t>Games - Year and season;</a:t>
+            </a:r>
+            <a:endParaRPr lang="zh-CN" altLang="zh-CN" sz="1200" b="1" kern="1200" dirty="0">
+              <a:solidFill>
+                <a:schemeClr val="tx1"/>
+              </a:solidFill>
+              <a:effectLst/>
+              <a:latin typeface="+mn-lt"/>
+              <a:ea typeface="+mn-ea"/>
+              <a:cs typeface="+mn-cs"/>
+            </a:endParaRPr>
+          </a:p>
+          <a:p>
+            <a:r>
+              <a:rPr lang="en-US" altLang="zh-CN" sz="1200" b="0" kern="1200" dirty="0">
+                <a:solidFill>
+                  <a:schemeClr val="tx1"/>
+                </a:solidFill>
+                <a:effectLst/>
+                <a:latin typeface="+mn-lt"/>
+                <a:ea typeface="+mn-ea"/>
+                <a:cs typeface="+mn-cs"/>
+              </a:rPr>
+              <a:t>Year - Integer;</a:t>
+            </a:r>
+            <a:endParaRPr lang="zh-CN" altLang="zh-CN" sz="1200" b="1" kern="1200" dirty="0">
+              <a:solidFill>
+                <a:schemeClr val="tx1"/>
+              </a:solidFill>
+              <a:effectLst/>
+              <a:latin typeface="+mn-lt"/>
+              <a:ea typeface="+mn-ea"/>
+              <a:cs typeface="+mn-cs"/>
+            </a:endParaRPr>
+          </a:p>
+          <a:p>
+            <a:r>
+              <a:rPr lang="en-US" altLang="zh-CN" sz="1200" b="0" kern="1200" dirty="0">
+                <a:solidFill>
+                  <a:schemeClr val="tx1"/>
+                </a:solidFill>
+                <a:effectLst/>
+                <a:latin typeface="+mn-lt"/>
+                <a:ea typeface="+mn-ea"/>
+                <a:cs typeface="+mn-cs"/>
+              </a:rPr>
+              <a:t>Season - Summer or Winter;</a:t>
+            </a:r>
+            <a:endParaRPr lang="zh-CN" altLang="zh-CN" sz="1200" b="1" kern="1200" dirty="0">
+              <a:solidFill>
+                <a:schemeClr val="tx1"/>
+              </a:solidFill>
+              <a:effectLst/>
+              <a:latin typeface="+mn-lt"/>
+              <a:ea typeface="+mn-ea"/>
+              <a:cs typeface="+mn-cs"/>
+            </a:endParaRPr>
+          </a:p>
+          <a:p>
+            <a:r>
+              <a:rPr lang="en-US" altLang="zh-CN" sz="1200" b="0" kern="1200" dirty="0">
+                <a:solidFill>
+                  <a:schemeClr val="tx1"/>
+                </a:solidFill>
+                <a:effectLst/>
+                <a:latin typeface="+mn-lt"/>
+                <a:ea typeface="+mn-ea"/>
+                <a:cs typeface="+mn-cs"/>
+              </a:rPr>
+              <a:t>City - Host city;</a:t>
+            </a:r>
+            <a:endParaRPr lang="zh-CN" altLang="zh-CN" sz="1200" b="1" kern="1200" dirty="0">
+              <a:solidFill>
+                <a:schemeClr val="tx1"/>
+              </a:solidFill>
+              <a:effectLst/>
+              <a:latin typeface="+mn-lt"/>
+              <a:ea typeface="+mn-ea"/>
+              <a:cs typeface="+mn-cs"/>
+            </a:endParaRPr>
+          </a:p>
+          <a:p>
+            <a:r>
+              <a:rPr lang="en-US" altLang="zh-CN" sz="1200" b="0" kern="1200" dirty="0">
+                <a:solidFill>
+                  <a:schemeClr val="tx1"/>
+                </a:solidFill>
+                <a:effectLst/>
+                <a:latin typeface="+mn-lt"/>
+                <a:ea typeface="+mn-ea"/>
+                <a:cs typeface="+mn-cs"/>
+              </a:rPr>
+              <a:t>Sport - Sport;</a:t>
+            </a:r>
+            <a:endParaRPr lang="zh-CN" altLang="zh-CN" sz="1200" b="1" kern="1200" dirty="0">
+              <a:solidFill>
+                <a:schemeClr val="tx1"/>
+              </a:solidFill>
+              <a:effectLst/>
+              <a:latin typeface="+mn-lt"/>
+              <a:ea typeface="+mn-ea"/>
+              <a:cs typeface="+mn-cs"/>
+            </a:endParaRPr>
+          </a:p>
+          <a:p>
+            <a:r>
+              <a:rPr lang="en-US" altLang="zh-CN" sz="1200" b="0" kern="1200" dirty="0">
+                <a:solidFill>
+                  <a:schemeClr val="tx1"/>
+                </a:solidFill>
+                <a:effectLst/>
+                <a:latin typeface="+mn-lt"/>
+                <a:ea typeface="+mn-ea"/>
+                <a:cs typeface="+mn-cs"/>
+              </a:rPr>
+              <a:t>Event - Event;</a:t>
+            </a:r>
+            <a:endParaRPr lang="zh-CN" altLang="zh-CN" sz="1200" b="1" kern="1200" dirty="0">
+              <a:solidFill>
+                <a:schemeClr val="tx1"/>
+              </a:solidFill>
+              <a:effectLst/>
+              <a:latin typeface="+mn-lt"/>
+              <a:ea typeface="+mn-ea"/>
+              <a:cs typeface="+mn-cs"/>
+            </a:endParaRPr>
+          </a:p>
+          <a:p>
+            <a:r>
+              <a:rPr lang="en-US" altLang="zh-CN" sz="1200" b="0" kern="1200" dirty="0">
+                <a:solidFill>
+                  <a:schemeClr val="tx1"/>
+                </a:solidFill>
+                <a:effectLst/>
+                <a:latin typeface="+mn-lt"/>
+                <a:ea typeface="+mn-ea"/>
+                <a:cs typeface="+mn-cs"/>
+              </a:rPr>
+              <a:t>Medal - Gold, Silver, Bronze, or NA.</a:t>
+            </a:r>
+            <a:endParaRPr lang="zh-CN" altLang="zh-CN" sz="1200" b="1" kern="1200" dirty="0">
+              <a:solidFill>
+                <a:schemeClr val="tx1"/>
+              </a:solidFill>
+              <a:effectLst/>
+              <a:latin typeface="+mn-lt"/>
+              <a:ea typeface="+mn-ea"/>
+              <a:cs typeface="+mn-cs"/>
+            </a:endParaRPr>
+          </a:p>
+          <a:p>
+            <a:r>
+              <a:rPr lang="en-US" altLang="zh-CN" sz="1200" kern="1200" dirty="0">
+                <a:solidFill>
+                  <a:schemeClr val="tx1"/>
+                </a:solidFill>
+                <a:effectLst/>
+                <a:latin typeface="+mn-lt"/>
+                <a:ea typeface="+mn-ea"/>
+                <a:cs typeface="+mn-cs"/>
+              </a:rPr>
+              <a:t>There's some duplication of information.</a:t>
+            </a:r>
+            <a:endParaRPr lang="zh-CN" altLang="zh-CN" sz="1200" kern="1200" dirty="0">
+              <a:solidFill>
+                <a:schemeClr val="tx1"/>
+              </a:solidFill>
+              <a:effectLst/>
+              <a:latin typeface="+mn-lt"/>
+              <a:ea typeface="+mn-ea"/>
+              <a:cs typeface="+mn-cs"/>
+            </a:endParaRPr>
+          </a:p>
+          <a:p>
+            <a:endParaRPr kumimoji="1" lang="zh-CN" altLang="en-US" dirty="0"/>
+          </a:p>
+        </p:txBody>
+      </p:sp>
+      <p:sp>
+        <p:nvSpPr>
+          <p:cNvPr id="4" name="灯片编号占位符 3"/>
+          <p:cNvSpPr>
+            <a:spLocks noGrp="1"/>
+          </p:cNvSpPr>
+          <p:nvPr>
+            <p:ph type="sldNum" sz="quarter" idx="5"/>
+          </p:nvPr>
+        </p:nvSpPr>
+        <p:spPr/>
+        <p:txBody>
+          <a:bodyPr/>
+          <a:lstStyle/>
+          <a:p>
+            <a:fld id="{7106FB97-120A-1B4E-9783-DE5633661FFF}" type="slidenum">
+              <a:rPr kumimoji="1" lang="zh-CN" altLang="en-US" smtClean="0"/>
+              <a:t>6</a:t>
+            </a:fld>
+            <a:endParaRPr kumimoji="1" lang="zh-CN" altLang="en-US"/>
+          </a:p>
+        </p:txBody>
+      </p:sp>
+    </p:spTree>
+    <p:extLst>
+      <p:ext uri="{BB962C8B-B14F-4D97-AF65-F5344CB8AC3E}">
+        <p14:creationId xmlns:p14="http://schemas.microsoft.com/office/powerpoint/2010/main" val="3914251703"/>
+      </p:ext>
+    </p:extLst>
+  </p:cSld>
+  <p:clrMapOvr>
+    <a:masterClrMapping/>
+  </p:clrMapOvr>
+</p:notes>
+</file>
+
+<file path=ppt/notesSlides/notesSlide5.xml><?xml version="1.0" encoding="utf-8"?>
+<p:notes xmlns:a="http://schemas.openxmlformats.org/drawingml/2006/main" xmlns:r="http://schemas.openxmlformats.org/officeDocument/2006/relationships" xmlns:p="http://schemas.openxmlformats.org/presentationml/2006/main">
+  <p:cSld>
+    <p:spTree>
+      <p:nvGrpSpPr>
+        <p:cNvPr id="1" name=""/>
+        <p:cNvGrpSpPr/>
+        <p:nvPr/>
+      </p:nvGrpSpPr>
+      <p:grpSpPr>
+        <a:xfrm>
+          <a:off x="0" y="0"/>
+          <a:ext cx="0" cy="0"/>
+          <a:chOff x="0" y="0"/>
+          <a:chExt cx="0" cy="0"/>
+        </a:xfrm>
+      </p:grpSpPr>
+      <p:sp>
+        <p:nvSpPr>
+          <p:cNvPr id="2" name="幻灯片图像占位符 1"/>
+          <p:cNvSpPr>
+            <a:spLocks noGrp="1" noRot="1" noChangeAspect="1"/>
+          </p:cNvSpPr>
+          <p:nvPr>
+            <p:ph type="sldImg"/>
+          </p:nvPr>
+        </p:nvSpPr>
+        <p:spPr/>
+      </p:sp>
+      <p:sp>
+        <p:nvSpPr>
+          <p:cNvPr id="3" name="备注占位符 2"/>
+          <p:cNvSpPr>
+            <a:spLocks noGrp="1"/>
+          </p:cNvSpPr>
+          <p:nvPr>
+            <p:ph type="body" idx="1"/>
+          </p:nvPr>
+        </p:nvSpPr>
+        <p:spPr/>
+        <p:txBody>
+          <a:bodyPr/>
+          <a:lstStyle/>
+          <a:p>
+            <a:r>
+              <a:rPr lang="en-US" altLang="zh-CN" sz="1200" kern="1200" dirty="0">
+                <a:solidFill>
+                  <a:schemeClr val="tx1"/>
+                </a:solidFill>
+                <a:effectLst/>
+                <a:latin typeface="+mn-lt"/>
+                <a:ea typeface="+mn-ea"/>
+                <a:cs typeface="+mn-cs"/>
+              </a:rPr>
+              <a:t>the United States won the most gold medals is basketball, the United States basketball is called the dream team, but because it is a team event, so each team. Members all have gold medals. The part that affects me is that there are many medals in the team games, but only one medal in the medal list. I used the data of the top 20 countries in London Olympic Games to predict, because there is no need to predict the countries with too small medals.</a:t>
+            </a:r>
+            <a:r>
+              <a:rPr lang="zh-CN" altLang="zh-CN" dirty="0">
+                <a:effectLst/>
+              </a:rPr>
+              <a:t> </a:t>
+            </a:r>
+            <a:endParaRPr kumimoji="1" lang="zh-CN" altLang="en-US" dirty="0"/>
+          </a:p>
+        </p:txBody>
+      </p:sp>
+      <p:sp>
+        <p:nvSpPr>
+          <p:cNvPr id="4" name="灯片编号占位符 3"/>
+          <p:cNvSpPr>
+            <a:spLocks noGrp="1"/>
+          </p:cNvSpPr>
+          <p:nvPr>
+            <p:ph type="sldNum" sz="quarter" idx="5"/>
+          </p:nvPr>
+        </p:nvSpPr>
+        <p:spPr/>
+        <p:txBody>
+          <a:bodyPr/>
+          <a:lstStyle/>
+          <a:p>
+            <a:fld id="{7106FB97-120A-1B4E-9783-DE5633661FFF}" type="slidenum">
+              <a:rPr kumimoji="1" lang="zh-CN" altLang="en-US" smtClean="0"/>
+              <a:t>7</a:t>
+            </a:fld>
+            <a:endParaRPr kumimoji="1" lang="zh-CN" altLang="en-US"/>
+          </a:p>
+        </p:txBody>
+      </p:sp>
+    </p:spTree>
+    <p:extLst>
+      <p:ext uri="{BB962C8B-B14F-4D97-AF65-F5344CB8AC3E}">
+        <p14:creationId xmlns:p14="http://schemas.microsoft.com/office/powerpoint/2010/main" val="353065105"/>
+      </p:ext>
+    </p:extLst>
+  </p:cSld>
+  <p:clrMapOvr>
+    <a:masterClrMapping/>
+  </p:clrMapOvr>
+</p:notes>
+</file>
+
+<file path=ppt/notesSlides/notesSlide6.xml><?xml version="1.0" encoding="utf-8"?>
+<p:notes xmlns:a="http://schemas.openxmlformats.org/drawingml/2006/main" xmlns:r="http://schemas.openxmlformats.org/officeDocument/2006/relationships" xmlns:p="http://schemas.openxmlformats.org/presentationml/2006/main">
+  <p:cSld>
+    <p:spTree>
+      <p:nvGrpSpPr>
+        <p:cNvPr id="1" name=""/>
+        <p:cNvGrpSpPr/>
+        <p:nvPr/>
+      </p:nvGrpSpPr>
+      <p:grpSpPr>
+        <a:xfrm>
+          <a:off x="0" y="0"/>
+          <a:ext cx="0" cy="0"/>
+          <a:chOff x="0" y="0"/>
+          <a:chExt cx="0" cy="0"/>
+        </a:xfrm>
+      </p:grpSpPr>
+      <p:sp>
+        <p:nvSpPr>
+          <p:cNvPr id="2" name="幻灯片图像占位符 1"/>
+          <p:cNvSpPr>
+            <a:spLocks noGrp="1" noRot="1" noChangeAspect="1"/>
+          </p:cNvSpPr>
+          <p:nvPr>
+            <p:ph type="sldImg"/>
+          </p:nvPr>
+        </p:nvSpPr>
+        <p:spPr/>
+      </p:sp>
+      <p:sp>
+        <p:nvSpPr>
+          <p:cNvPr id="3" name="备注占位符 2"/>
+          <p:cNvSpPr>
+            <a:spLocks noGrp="1"/>
+          </p:cNvSpPr>
+          <p:nvPr>
+            <p:ph type="body" idx="1"/>
+          </p:nvPr>
+        </p:nvSpPr>
+        <p:spPr/>
+        <p:txBody>
+          <a:bodyPr/>
+          <a:lstStyle/>
+          <a:p>
+            <a:r>
+              <a:rPr lang="en-US" altLang="zh-CN" sz="1200" kern="1200" dirty="0">
+                <a:solidFill>
+                  <a:schemeClr val="tx1"/>
+                </a:solidFill>
+                <a:effectLst/>
+                <a:latin typeface="+mn-lt"/>
+                <a:ea typeface="+mn-ea"/>
+                <a:cs typeface="+mn-cs"/>
+              </a:rPr>
+              <a:t>In the early Olympic Games, the height and weight data of athletes are missing, and many countries have experienced a split renaming, such as the disintegration of the Soviet Union, the number of medals of the Russian team inherited from the Soviet Union, </a:t>
+            </a:r>
+            <a:endParaRPr kumimoji="1" lang="zh-CN" altLang="en-US" dirty="0"/>
+          </a:p>
+        </p:txBody>
+      </p:sp>
+      <p:sp>
+        <p:nvSpPr>
+          <p:cNvPr id="4" name="灯片编号占位符 3"/>
+          <p:cNvSpPr>
+            <a:spLocks noGrp="1"/>
+          </p:cNvSpPr>
+          <p:nvPr>
+            <p:ph type="sldNum" sz="quarter" idx="5"/>
+          </p:nvPr>
+        </p:nvSpPr>
+        <p:spPr/>
+        <p:txBody>
+          <a:bodyPr/>
+          <a:lstStyle/>
+          <a:p>
+            <a:fld id="{7106FB97-120A-1B4E-9783-DE5633661FFF}" type="slidenum">
+              <a:rPr kumimoji="1" lang="zh-CN" altLang="en-US" smtClean="0"/>
+              <a:t>8</a:t>
+            </a:fld>
+            <a:endParaRPr kumimoji="1" lang="zh-CN" altLang="en-US"/>
+          </a:p>
+        </p:txBody>
+      </p:sp>
+    </p:spTree>
+    <p:extLst>
+      <p:ext uri="{BB962C8B-B14F-4D97-AF65-F5344CB8AC3E}">
+        <p14:creationId xmlns:p14="http://schemas.microsoft.com/office/powerpoint/2010/main" val="4254064513"/>
+      </p:ext>
+    </p:extLst>
+  </p:cSld>
+  <p:clrMapOvr>
+    <a:masterClrMapping/>
+  </p:clrMapOvr>
+</p:notes>
+</file>
+
+<file path=ppt/notesSlides/notesSlide7.xml><?xml version="1.0" encoding="utf-8"?>
+<p:notes xmlns:a="http://schemas.openxmlformats.org/drawingml/2006/main" xmlns:r="http://schemas.openxmlformats.org/officeDocument/2006/relationships" xmlns:p="http://schemas.openxmlformats.org/presentationml/2006/main">
+  <p:cSld>
+    <p:spTree>
+      <p:nvGrpSpPr>
+        <p:cNvPr id="1" name=""/>
+        <p:cNvGrpSpPr/>
+        <p:nvPr/>
+      </p:nvGrpSpPr>
+      <p:grpSpPr>
+        <a:xfrm>
+          <a:off x="0" y="0"/>
+          <a:ext cx="0" cy="0"/>
+          <a:chOff x="0" y="0"/>
+          <a:chExt cx="0" cy="0"/>
+        </a:xfrm>
+      </p:grpSpPr>
+      <p:sp>
+        <p:nvSpPr>
+          <p:cNvPr id="2" name="幻灯片图像占位符 1"/>
+          <p:cNvSpPr>
+            <a:spLocks noGrp="1" noRot="1" noChangeAspect="1"/>
+          </p:cNvSpPr>
+          <p:nvPr>
+            <p:ph type="sldImg"/>
+          </p:nvPr>
+        </p:nvSpPr>
+        <p:spPr/>
+      </p:sp>
+      <p:sp>
+        <p:nvSpPr>
+          <p:cNvPr id="3" name="备注占位符 2"/>
+          <p:cNvSpPr>
+            <a:spLocks noGrp="1"/>
+          </p:cNvSpPr>
+          <p:nvPr>
+            <p:ph type="body" idx="1"/>
+          </p:nvPr>
+        </p:nvSpPr>
+        <p:spPr/>
+        <p:txBody>
+          <a:bodyPr/>
+          <a:lstStyle/>
+          <a:p>
+            <a:pPr marL="0" marR="0" lvl="0" indent="0" algn="l" defTabSz="914400" rtl="0" eaLnBrk="1" fontAlgn="auto" latinLnBrk="0" hangingPunct="1">
+              <a:lnSpc>
+                <a:spcPct val="100000"/>
+              </a:lnSpc>
+              <a:spcBef>
+                <a:spcPts val="0"/>
+              </a:spcBef>
+              <a:spcAft>
+                <a:spcPts val="0"/>
+              </a:spcAft>
+              <a:buClrTx/>
+              <a:buSzTx/>
+              <a:buFontTx/>
+              <a:buNone/>
+              <a:tabLst/>
+              <a:defRPr/>
+            </a:pPr>
+            <a:r>
+              <a:rPr lang="en-US" altLang="zh-CN" sz="1200" b="0" kern="1200" dirty="0">
+                <a:solidFill>
+                  <a:schemeClr val="tx1"/>
+                </a:solidFill>
+                <a:effectLst/>
+                <a:latin typeface="+mn-lt"/>
+                <a:ea typeface="+mn-ea"/>
+                <a:cs typeface="+mn-cs"/>
+              </a:rPr>
+              <a:t>Using data from 2012 and previous years to predict the 2016 medal list is similar except for Britain, which values the influence of the Olympic Games after the London Olympic Games, encourages athletes to win gold medals, pays attention to athletes' training and adapts to the Brazilian climate. As for the prediction of 2020, the Japanese team, as the host, can adapt to the Japanese climate better, can play a better level, and the cancellation and reduction of strong sports in some countries can produce errors in the prediction results.</a:t>
+            </a:r>
+            <a:endParaRPr lang="zh-CN" altLang="zh-CN" sz="1200" b="1" kern="1200" dirty="0">
+              <a:solidFill>
+                <a:schemeClr val="tx1"/>
+              </a:solidFill>
+              <a:effectLst/>
+              <a:latin typeface="+mn-lt"/>
+              <a:ea typeface="+mn-ea"/>
+              <a:cs typeface="+mn-cs"/>
+            </a:endParaRPr>
+          </a:p>
+          <a:p>
+            <a:endParaRPr kumimoji="1" lang="zh-CN" altLang="en-US" dirty="0"/>
+          </a:p>
+        </p:txBody>
+      </p:sp>
+      <p:sp>
+        <p:nvSpPr>
+          <p:cNvPr id="4" name="灯片编号占位符 3"/>
+          <p:cNvSpPr>
+            <a:spLocks noGrp="1"/>
+          </p:cNvSpPr>
+          <p:nvPr>
+            <p:ph type="sldNum" sz="quarter" idx="5"/>
+          </p:nvPr>
+        </p:nvSpPr>
+        <p:spPr/>
+        <p:txBody>
+          <a:bodyPr/>
+          <a:lstStyle/>
+          <a:p>
+            <a:fld id="{7106FB97-120A-1B4E-9783-DE5633661FFF}" type="slidenum">
+              <a:rPr kumimoji="1" lang="zh-CN" altLang="en-US" smtClean="0"/>
+              <a:t>17</a:t>
+            </a:fld>
+            <a:endParaRPr kumimoji="1" lang="zh-CN" altLang="en-US"/>
+          </a:p>
+        </p:txBody>
+      </p:sp>
+    </p:spTree>
+    <p:extLst>
+      <p:ext uri="{BB962C8B-B14F-4D97-AF65-F5344CB8AC3E}">
+        <p14:creationId xmlns:p14="http://schemas.microsoft.com/office/powerpoint/2010/main" val="3355717353"/>
+      </p:ext>
+    </p:extLst>
+  </p:cSld>
+  <p:clrMapOvr>
+    <a:masterClrMapping/>
+  </p:clrMapOvr>
+</p:notes>
 </file>
 
 <file path=ppt/slideLayouts/slideLayout1.xml><?xml version="1.0" encoding="utf-8"?>
@@ -4081,8 +5557,8 @@
         </p:blipFill>
         <p:spPr>
           <a:xfrm>
-            <a:off x="938784" y="0"/>
-            <a:ext cx="11041449" cy="5684931"/>
+            <a:off x="944218" y="718210"/>
+            <a:ext cx="10167730" cy="5235078"/>
           </a:xfrm>
           <a:prstGeom prst="rect">
             <a:avLst/>
@@ -4227,8 +5703,8 @@
         </p:blipFill>
         <p:spPr>
           <a:xfrm>
-            <a:off x="807280" y="77089"/>
-            <a:ext cx="10972800" cy="5464586"/>
+            <a:off x="827158" y="181879"/>
+            <a:ext cx="11079920" cy="5517933"/>
           </a:xfrm>
           <a:prstGeom prst="rect">
             <a:avLst/>
@@ -5056,7 +6532,7 @@
           <p:nvPr/>
         </p:nvPicPr>
         <p:blipFill>
-          <a:blip r:embed="rId2"/>
+          <a:blip r:embed="rId3"/>
           <a:stretch>
             <a:fillRect/>
           </a:stretch>
@@ -5086,7 +6562,7 @@
           <p:nvPr/>
         </p:nvPicPr>
         <p:blipFill>
-          <a:blip r:embed="rId3"/>
+          <a:blip r:embed="rId4"/>
           <a:stretch>
             <a:fillRect/>
           </a:stretch>
@@ -5116,7 +6592,7 @@
           <p:nvPr/>
         </p:nvPicPr>
         <p:blipFill>
-          <a:blip r:embed="rId4"/>
+          <a:blip r:embed="rId5"/>
           <a:stretch>
             <a:fillRect/>
           </a:stretch>
@@ -5420,11 +6896,11 @@
           <a:p>
             <a:r>
               <a:rPr lang="en-US" altLang="zh-CN" dirty="0"/>
-              <a:t>Today, we will explore a dataset on the modern Olympic Games, including all the Games from Athens 1896 to Rio 2016. The data have been scraped from </a:t>
+              <a:t>We will explore a dataset on the modern Olympic Games, including all the Games from Athens 1896 to Rio 2016. The data have been scraped from </a:t>
             </a:r>
             <a:r>
               <a:rPr lang="en-US" altLang="zh-CN" u="sng" dirty="0">
-                <a:hlinkClick r:id="rId2"/>
+                <a:hlinkClick r:id="rId3"/>
               </a:rPr>
               <a:t>www.sports-reference.com</a:t>
             </a:r>
@@ -5712,7 +7188,15 @@
           <a:p>
             <a:r>
               <a:rPr lang="en-US" altLang="zh-CN" dirty="0"/>
-              <a:t>Disciplines with the greatest number of Gold Medals.</a:t>
+              <a:t>Disciplines with the greatest number of USA</a:t>
+            </a:r>
+            <a:r>
+              <a:rPr lang="zh-CN" altLang="en-US" dirty="0"/>
+              <a:t> </a:t>
+            </a:r>
+            <a:r>
+              <a:rPr lang="en-US" altLang="zh-CN" dirty="0"/>
+              <a:t>Gold Medals.</a:t>
             </a:r>
           </a:p>
           <a:p>
@@ -6045,7 +7529,7 @@
           </p:nvPr>
         </p:nvPicPr>
         <p:blipFill>
-          <a:blip r:embed="rId2"/>
+          <a:blip r:embed="rId3"/>
           <a:stretch>
             <a:fillRect/>
           </a:stretch>
@@ -6200,7 +7684,7 @@
           <p:nvPr/>
         </p:nvPicPr>
         <p:blipFill>
-          <a:blip r:embed="rId2"/>
+          <a:blip r:embed="rId3"/>
           <a:stretch>
             <a:fillRect/>
           </a:stretch>
@@ -6266,7 +7750,7 @@
           <p:nvPr/>
         </p:nvPicPr>
         <p:blipFill>
-          <a:blip r:embed="rId3"/>
+          <a:blip r:embed="rId4"/>
           <a:stretch>
             <a:fillRect/>
           </a:stretch>
@@ -6416,7 +7900,7 @@
           <p:nvPr/>
         </p:nvPicPr>
         <p:blipFill>
-          <a:blip r:embed="rId2"/>
+          <a:blip r:embed="rId3"/>
           <a:stretch>
             <a:fillRect/>
           </a:stretch>
@@ -6858,4 +8342,299 @@
     </a:ext>
   </a:extLst>
 </a:theme>
+</file>
+
+<file path=ppt/theme/theme2.xml><?xml version="1.0" encoding="utf-8"?>
+<a:theme xmlns:a="http://schemas.openxmlformats.org/drawingml/2006/main" name="Office 主题​​">
+  <a:themeElements>
+    <a:clrScheme name="Office">
+      <a:dk1>
+        <a:sysClr val="windowText" lastClr="000000"/>
+      </a:dk1>
+      <a:lt1>
+        <a:sysClr val="window" lastClr="FFFFFF"/>
+      </a:lt1>
+      <a:dk2>
+        <a:srgbClr val="44546A"/>
+      </a:dk2>
+      <a:lt2>
+        <a:srgbClr val="E7E6E6"/>
+      </a:lt2>
+      <a:accent1>
+        <a:srgbClr val="4472C4"/>
+      </a:accent1>
+      <a:accent2>
+        <a:srgbClr val="ED7D31"/>
+      </a:accent2>
+      <a:accent3>
+        <a:srgbClr val="A5A5A5"/>
+      </a:accent3>
+      <a:accent4>
+        <a:srgbClr val="FFC000"/>
+      </a:accent4>
+      <a:accent5>
+        <a:srgbClr val="5B9BD5"/>
+      </a:accent5>
+      <a:accent6>
+        <a:srgbClr val="70AD47"/>
+      </a:accent6>
+      <a:hlink>
+        <a:srgbClr val="0563C1"/>
+      </a:hlink>
+      <a:folHlink>
+        <a:srgbClr val="954F72"/>
+      </a:folHlink>
+    </a:clrScheme>
+    <a:fontScheme name="Office">
+      <a:majorFont>
+        <a:latin typeface="等线 Light" panose="020F0302020204030204"/>
+        <a:ea typeface=""/>
+        <a:cs typeface=""/>
+        <a:font script="Jpan" typeface="游ゴシック Light"/>
+        <a:font script="Hang" typeface="맑은 고딕"/>
+        <a:font script="Hans" typeface="等线 Light"/>
+        <a:font script="Hant" typeface="新細明體"/>
+        <a:font script="Arab" typeface="Times New Roman"/>
+        <a:font script="Hebr" typeface="Times New Roman"/>
+        <a:font script="Thai" typeface="Angsana New"/>
+        <a:font script="Ethi" typeface="Nyala"/>
+        <a:font script="Beng" typeface="Vrinda"/>
+        <a:font script="Gujr" typeface="Shruti"/>
+        <a:font script="Khmr" typeface="MoolBoran"/>
+        <a:font script="Knda" typeface="Tunga"/>
+        <a:font script="Guru" typeface="Raavi"/>
+        <a:font script="Cans" typeface="Euphemia"/>
+        <a:font script="Cher" typeface="Plantagenet Cherokee"/>
+        <a:font script="Yiii" typeface="Microsoft Yi Baiti"/>
+        <a:font script="Tibt" typeface="Microsoft Himalaya"/>
+        <a:font script="Thaa" typeface="MV Boli"/>
+        <a:font script="Deva" typeface="Mangal"/>
+        <a:font script="Telu" typeface="Gautami"/>
+        <a:font script="Taml" typeface="Latha"/>
+        <a:font script="Syrc" typeface="Estrangelo Edessa"/>
+        <a:font script="Orya" typeface="Kalinga"/>
+        <a:font script="Mlym" typeface="Kartika"/>
+        <a:font script="Laoo" typeface="DokChampa"/>
+        <a:font script="Sinh" typeface="Iskoola Pota"/>
+        <a:font script="Mong" typeface="Mongolian Baiti"/>
+        <a:font script="Viet" typeface="Times New Roman"/>
+        <a:font script="Uigh" typeface="Microsoft Uighur"/>
+        <a:font script="Geor" typeface="Sylfaen"/>
+        <a:font script="Armn" typeface="Arial"/>
+        <a:font script="Bugi" typeface="Leelawadee UI"/>
+        <a:font script="Bopo" typeface="Microsoft JhengHei"/>
+        <a:font script="Java" typeface="Javanese Text"/>
+        <a:font script="Lisu" typeface="Segoe UI"/>
+        <a:font script="Mymr" typeface="Myanmar Text"/>
+        <a:font script="Nkoo" typeface="Ebrima"/>
+        <a:font script="Olck" typeface="Nirmala UI"/>
+        <a:font script="Osma" typeface="Ebrima"/>
+        <a:font script="Phag" typeface="Phagspa"/>
+        <a:font script="Syrn" typeface="Estrangelo Edessa"/>
+        <a:font script="Syrj" typeface="Estrangelo Edessa"/>
+        <a:font script="Syre" typeface="Estrangelo Edessa"/>
+        <a:font script="Sora" typeface="Nirmala UI"/>
+        <a:font script="Tale" typeface="Microsoft Tai Le"/>
+        <a:font script="Talu" typeface="Microsoft New Tai Lue"/>
+        <a:font script="Tfng" typeface="Ebrima"/>
+      </a:majorFont>
+      <a:minorFont>
+        <a:latin typeface="等线" panose="020F0502020204030204"/>
+        <a:ea typeface=""/>
+        <a:cs typeface=""/>
+        <a:font script="Jpan" typeface="游ゴシック"/>
+        <a:font script="Hang" typeface="맑은 고딕"/>
+        <a:font script="Hans" typeface="等线"/>
+        <a:font script="Hant" typeface="新細明體"/>
+        <a:font script="Arab" typeface="Arial"/>
+        <a:font script="Hebr" typeface="Arial"/>
+        <a:font script="Thai" typeface="Cordia New"/>
+        <a:font script="Ethi" typeface="Nyala"/>
+        <a:font script="Beng" typeface="Vrinda"/>
+        <a:font script="Gujr" typeface="Shruti"/>
+        <a:font script="Khmr" typeface="DaunPenh"/>
+        <a:font script="Knda" typeface="Tunga"/>
+        <a:font script="Guru" typeface="Raavi"/>
+        <a:font script="Cans" typeface="Euphemia"/>
+        <a:font script="Cher" typeface="Plantagenet Cherokee"/>
+        <a:font script="Yiii" typeface="Microsoft Yi Baiti"/>
+        <a:font script="Tibt" typeface="Microsoft Himalaya"/>
+        <a:font script="Thaa" typeface="MV Boli"/>
+        <a:font script="Deva" typeface="Mangal"/>
+        <a:font script="Telu" typeface="Gautami"/>
+        <a:font script="Taml" typeface="Latha"/>
+        <a:font script="Syrc" typeface="Estrangelo Edessa"/>
+        <a:font script="Orya" typeface="Kalinga"/>
+        <a:font script="Mlym" typeface="Kartika"/>
+        <a:font script="Laoo" typeface="DokChampa"/>
+        <a:font script="Sinh" typeface="Iskoola Pota"/>
+        <a:font script="Mong" typeface="Mongolian Baiti"/>
+        <a:font script="Viet" typeface="Arial"/>
+        <a:font script="Uigh" typeface="Microsoft Uighur"/>
+        <a:font script="Geor" typeface="Sylfaen"/>
+        <a:font script="Armn" typeface="Arial"/>
+        <a:font script="Bugi" typeface="Leelawadee UI"/>
+        <a:font script="Bopo" typeface="Microsoft JhengHei"/>
+        <a:font script="Java" typeface="Javanese Text"/>
+        <a:font script="Lisu" typeface="Segoe UI"/>
+        <a:font script="Mymr" typeface="Myanmar Text"/>
+        <a:font script="Nkoo" typeface="Ebrima"/>
+        <a:font script="Olck" typeface="Nirmala UI"/>
+        <a:font script="Osma" typeface="Ebrima"/>
+        <a:font script="Phag" typeface="Phagspa"/>
+        <a:font script="Syrn" typeface="Estrangelo Edessa"/>
+        <a:font script="Syrj" typeface="Estrangelo Edessa"/>
+        <a:font script="Syre" typeface="Estrangelo Edessa"/>
+        <a:font script="Sora" typeface="Nirmala UI"/>
+        <a:font script="Tale" typeface="Microsoft Tai Le"/>
+        <a:font script="Talu" typeface="Microsoft New Tai Lue"/>
+        <a:font script="Tfng" typeface="Ebrima"/>
+      </a:minorFont>
+    </a:fontScheme>
+    <a:fmtScheme name="Office">
+      <a:fillStyleLst>
+        <a:solidFill>
+          <a:schemeClr val="phClr"/>
+        </a:solidFill>
+        <a:gradFill rotWithShape="1">
+          <a:gsLst>
+            <a:gs pos="0">
+              <a:schemeClr val="phClr">
+                <a:lumMod val="110000"/>
+                <a:satMod val="105000"/>
+                <a:tint val="67000"/>
+              </a:schemeClr>
+            </a:gs>
+            <a:gs pos="50000">
+              <a:schemeClr val="phClr">
+                <a:lumMod val="105000"/>
+                <a:satMod val="103000"/>
+                <a:tint val="73000"/>
+              </a:schemeClr>
+            </a:gs>
+            <a:gs pos="100000">
+              <a:schemeClr val="phClr">
+                <a:lumMod val="105000"/>
+                <a:satMod val="109000"/>
+                <a:tint val="81000"/>
+              </a:schemeClr>
+            </a:gs>
+          </a:gsLst>
+          <a:lin ang="5400000" scaled="0"/>
+        </a:gradFill>
+        <a:gradFill rotWithShape="1">
+          <a:gsLst>
+            <a:gs pos="0">
+              <a:schemeClr val="phClr">
+                <a:satMod val="103000"/>
+                <a:lumMod val="102000"/>
+                <a:tint val="94000"/>
+              </a:schemeClr>
+            </a:gs>
+            <a:gs pos="50000">
+              <a:schemeClr val="phClr">
+                <a:satMod val="110000"/>
+                <a:lumMod val="100000"/>
+                <a:shade val="100000"/>
+              </a:schemeClr>
+            </a:gs>
+            <a:gs pos="100000">
+              <a:schemeClr val="phClr">
+                <a:lumMod val="99000"/>
+                <a:satMod val="120000"/>
+                <a:shade val="78000"/>
+              </a:schemeClr>
+            </a:gs>
+          </a:gsLst>
+          <a:lin ang="5400000" scaled="0"/>
+        </a:gradFill>
+      </a:fillStyleLst>
+      <a:lnStyleLst>
+        <a:ln w="6350" cap="flat" cmpd="sng" algn="ctr">
+          <a:solidFill>
+            <a:schemeClr val="phClr"/>
+          </a:solidFill>
+          <a:prstDash val="solid"/>
+          <a:miter lim="800000"/>
+        </a:ln>
+        <a:ln w="12700" cap="flat" cmpd="sng" algn="ctr">
+          <a:solidFill>
+            <a:schemeClr val="phClr"/>
+          </a:solidFill>
+          <a:prstDash val="solid"/>
+          <a:miter lim="800000"/>
+        </a:ln>
+        <a:ln w="19050" cap="flat" cmpd="sng" algn="ctr">
+          <a:solidFill>
+            <a:schemeClr val="phClr"/>
+          </a:solidFill>
+          <a:prstDash val="solid"/>
+          <a:miter lim="800000"/>
+        </a:ln>
+      </a:lnStyleLst>
+      <a:effectStyleLst>
+        <a:effectStyle>
+          <a:effectLst/>
+        </a:effectStyle>
+        <a:effectStyle>
+          <a:effectLst/>
+        </a:effectStyle>
+        <a:effectStyle>
+          <a:effectLst>
+            <a:outerShdw blurRad="57150" dist="19050" dir="5400000" algn="ctr" rotWithShape="0">
+              <a:srgbClr val="000000">
+                <a:alpha val="63000"/>
+              </a:srgbClr>
+            </a:outerShdw>
+          </a:effectLst>
+        </a:effectStyle>
+      </a:effectStyleLst>
+      <a:bgFillStyleLst>
+        <a:solidFill>
+          <a:schemeClr val="phClr"/>
+        </a:solidFill>
+        <a:solidFill>
+          <a:schemeClr val="phClr">
+            <a:tint val="95000"/>
+            <a:satMod val="170000"/>
+          </a:schemeClr>
+        </a:solidFill>
+        <a:gradFill rotWithShape="1">
+          <a:gsLst>
+            <a:gs pos="0">
+              <a:schemeClr val="phClr">
+                <a:tint val="93000"/>
+                <a:satMod val="150000"/>
+                <a:shade val="98000"/>
+                <a:lumMod val="102000"/>
+              </a:schemeClr>
+            </a:gs>
+            <a:gs pos="50000">
+              <a:schemeClr val="phClr">
+                <a:tint val="98000"/>
+                <a:satMod val="130000"/>
+                <a:shade val="90000"/>
+                <a:lumMod val="103000"/>
+              </a:schemeClr>
+            </a:gs>
+            <a:gs pos="100000">
+              <a:schemeClr val="phClr">
+                <a:shade val="63000"/>
+                <a:satMod val="120000"/>
+              </a:schemeClr>
+            </a:gs>
+          </a:gsLst>
+          <a:lin ang="5400000" scaled="0"/>
+        </a:gradFill>
+      </a:bgFillStyleLst>
+    </a:fmtScheme>
+  </a:themeElements>
+  <a:objectDefaults/>
+  <a:extraClrSchemeLst/>
+  <a:extLst>
+    <a:ext uri="{05A4C25C-085E-4340-85A3-A5531E510DB2}">
+      <thm15:themeFamily xmlns:thm15="http://schemas.microsoft.com/office/thememl/2012/main" name="Office Theme" id="{62F939B6-93AF-4DB8-9C6B-D6C7DFDC589F}" vid="{4A3C46E8-61CC-4603-A589-7422A47A8E4A}"/>
+    </a:ext>
+  </a:extLst>
+</a:theme>
 </file>